--- a/interviewplaybook/examples/medical-assistant/playbook.pptx
+++ b/interviewplaybook/examples/medical-assistant/playbook.pptx
@@ -16,6 +16,8 @@
     <p:sldId id="264" r:id="rId10"/>
     <p:sldId id="265" r:id="rId11"/>
     <p:sldId id="266" r:id="rId12"/>
+    <p:sldId id="267" r:id="rId13"/>
+    <p:sldId id="268" r:id="rId14"/>
   </p:sldIdLst>
   <p:sldSz cx="9144000" cy="5143500" type="screen16x9"/>
   <p:notesSz cx="6858000" cy="9144000"/>
@@ -3125,7 +3127,7 @@
             </a:pPr>
             <a:r>
               <a:rPr/>
-              <a:t>Interview Playbook for Medical Assistant II</a:t>
+              <a:t>Interview Playbook for Medical Assistant II at Pacific Wellness Group</a:t>
             </a:r>
           </a:p>
         </p:txBody>
@@ -3188,7 +3190,7 @@
             </a:pPr>
             <a:r>
               <a:rPr/>
-              <a:t>December 26, 2023 1:42 PM</a:t>
+              <a:t>January 05, 2024 1:32 PM</a:t>
             </a:r>
           </a:p>
         </p:txBody>
@@ -3235,7 +3237,7 @@
             </a:pPr>
             <a:r>
               <a:rPr/>
-              <a:t>Team Interaction</a:t>
+              <a:t>Behavioral Assessment</a:t>
             </a:r>
           </a:p>
         </p:txBody>
@@ -3260,7 +3262,7 @@
             </a:pPr>
             <a:r>
               <a:rPr/>
-              <a:t>Incorporating team interaction into the interview process serves to evaluate the candidate’s ability to integrate effectively into the existing clinic staff dynamics and contribute positively to Pacific Wellness Group’s collaborative environment.</a:t>
+              <a:t>The behavioral assessment is intended to delve into how the candidate’s values align with Pacific Wellness Group’s culture, focusing on qualities essential for the Medical Assistant II role.</a:t>
             </a:r>
           </a:p>
           <a:p>
@@ -3272,16 +3274,16 @@
             </a:pPr>
             <a:r>
               <a:rPr b="1"/>
-              <a:t>Rationale:</a:t>
-            </a:r>
-          </a:p>
-          <a:p>
-            <a:pPr lvl="0" indent="0" marL="0">
-              <a:buNone/>
-            </a:pPr>
-            <a:r>
-              <a:rPr/>
-              <a:t>Team interaction is key to observing the candidate’s interpersonal skills, adaptability to the clinic culture, and potential for synergistic work relationships.</a:t>
+              <a:t>Behavioral Competence 1: Adherence to Service Excellence (C-I-CARE)</a:t>
+            </a:r>
+          </a:p>
+          <a:p>
+            <a:pPr lvl="0" indent="0" marL="0">
+              <a:buNone/>
+            </a:pPr>
+            <a:r>
+              <a:rPr/>
+              <a:t>Candidates must demonstrate a strong commitment to providing exceptional service and care, in line with Pacific Wellness Group’s C-I-CARE framework which emphasizes compassion, integrity, accountability, respect, and engagement.</a:t>
             </a:r>
           </a:p>
           <a:p>
@@ -3293,28 +3295,25 @@
             </a:pPr>
             <a:r>
               <a:rPr b="1"/>
-              <a:t>Discussion Points:</a:t>
-            </a:r>
-          </a:p>
-          <a:p>
-            <a:pPr lvl="0"/>
-            <a:r>
-              <a:rPr/>
-              <a:t>Candidate’s experience in working with interdisciplinary teams.</a:t>
-            </a:r>
-          </a:p>
-          <a:p>
-            <a:pPr lvl="0"/>
-            <a:r>
-              <a:rPr/>
-              <a:t>Approach to conflict resolution and maintaining positive team dynamics.</a:t>
-            </a:r>
-          </a:p>
-          <a:p>
-            <a:pPr lvl="0"/>
-            <a:r>
-              <a:rPr/>
-              <a:t>Techniques for effective cross-departmental coordination and communication.</a:t>
+              <a:t>Lead Question</a:t>
+            </a:r>
+          </a:p>
+          <a:p>
+            <a:pPr lvl="0" indent="0" marL="1270000">
+              <a:buNone/>
+            </a:pPr>
+            <a:r>
+              <a:rPr sz="2000" b="1"/>
+              <a:t>“Reflecting on the C-I-CARE framework, can you provide an example of how you’ve embodied these values in your past work experience?”</a:t>
+            </a:r>
+          </a:p>
+          <a:p>
+            <a:pPr lvl="0" indent="0" marL="0">
+              <a:buNone/>
+            </a:pPr>
+            <a:r>
+              <a:rPr i="1"/>
+              <a:t>Look for specific instances where the candidate has gone above and beyond to provide exemplary care and service.</a:t>
             </a:r>
           </a:p>
           <a:p>
@@ -3326,37 +3325,51 @@
             </a:pPr>
             <a:r>
               <a:rPr b="1"/>
-              <a:t>Activities:</a:t>
-            </a:r>
-          </a:p>
-          <a:p>
-            <a:pPr lvl="0"/>
-            <a:r>
-              <a:rPr/>
-              <a:t>Candidate participates in a mock team meeting to discuss patient care planning.</a:t>
-            </a:r>
-          </a:p>
-          <a:p>
-            <a:pPr lvl="0"/>
-            <a:r>
-              <a:rPr/>
-              <a:t>Informal meet-and-greet with potential colleagues, providing insight into the candidate’s interpersonal communication style.</a:t>
-            </a:r>
-          </a:p>
-          <a:p>
-            <a:pPr lvl="0"/>
-            <a:r>
-              <a:rPr/>
-              <a:t>Collaboration in a brief problem-solving exercise to gauge teamwork and creativity.</a:t>
-            </a:r>
-          </a:p>
-          <a:p>
-            <a:pPr lvl="0" indent="0" marL="0">
-              <a:buNone/>
-            </a:pPr>
-            <a:r>
-              <a:rPr/>
-              <a:t>Evaluating the candidate’s interaction with the team offers a deeper insight into their potential fit within Pacific Wellness Group, aligning with the values of teamwork and connection.</a:t>
+              <a:t>Diving Deeper</a:t>
+            </a:r>
+          </a:p>
+          <a:p>
+            <a:pPr lvl="0"/>
+            <a:r>
+              <a:rPr b="1"/>
+              <a:t>Empathy</a:t>
+            </a:r>
+            <a:r>
+              <a:rPr/>
+              <a:t>: “Describe a time when you empathized with a patient or their family and how it impacted the care provided.”</a:t>
+            </a:r>
+          </a:p>
+          <a:p>
+            <a:pPr lvl="0"/>
+            <a:r>
+              <a:rPr b="1"/>
+              <a:t>Accountability</a:t>
+            </a:r>
+            <a:r>
+              <a:rPr/>
+              <a:t>: “Share an occasion where you made a mistake in a clinical setting. How did you handle it, and what did you learn?”</a:t>
+            </a:r>
+          </a:p>
+          <a:p>
+            <a:pPr lvl="0"/>
+            <a:r>
+              <a:rPr b="1"/>
+              <a:t>Respect</a:t>
+            </a:r>
+            <a:r>
+              <a:rPr/>
+              <a:t>: “Give an example of how you have shown respect for a patient’s or colleague’s cultural beliefs or personal preferences.”</a:t>
+            </a:r>
+          </a:p>
+          <a:p>
+            <a:pPr lvl="0"/>
+            <a:r>
+              <a:rPr b="1"/>
+              <a:t>Engagement</a:t>
+            </a:r>
+            <a:r>
+              <a:rPr/>
+              <a:t>: “Tell us about a time you actively engaged in a workplace initiative to improve patient satisfaction. What was your role and the result?”</a:t>
             </a:r>
           </a:p>
           <a:p>
@@ -3368,6 +3381,36 @@
             </a:pPr>
             <a:r>
               <a:rPr b="1"/>
+              <a:t>Scenario</a:t>
+            </a:r>
+          </a:p>
+          <a:p>
+            <a:pPr lvl="0" indent="0" marL="0">
+              <a:buNone/>
+            </a:pPr>
+            <a:r>
+              <a:rPr/>
+              <a:t>“Imagine a scenario where a patient is dissatisfied with their care and is voicing their concerns loudly in the waiting area. How would you manage this situation while upholding the principles of C-I-CARE?”</a:t>
+            </a:r>
+          </a:p>
+          <a:p>
+            <a:pPr lvl="0" indent="0" marL="0">
+              <a:buNone/>
+            </a:pPr>
+            <a:r>
+              <a:rPr i="1"/>
+              <a:t>Look for a balanced approach that ensures patient care and satisfaction without compromising respect and engagement.</a:t>
+            </a:r>
+          </a:p>
+          <a:p>
+            <a:pPr lvl="0" indent="0" marL="0">
+              <a:spcBef>
+                <a:spcPts val="3000"/>
+              </a:spcBef>
+              <a:buNone/>
+            </a:pPr>
+            <a:r>
+              <a:rPr b="1"/>
               <a:t>Notes</a:t>
             </a:r>
           </a:p>
@@ -3377,7 +3420,675 @@
             </a:pPr>
             <a:r>
               <a:rPr/>
-              <a:t>________________________________________________________________________________________________________ ________________________________________________________________________________________________________ ________________________________________________________________________________________________________ ________________________________________________________________________________________________________ ________________________________________________________________________________________________________ ________________________________________________________________________________________________________</a:t>
+              <a:t>__________________________________________________________________________________________ __________________________________________________________________________________________ __________________________________________________________________________________________ __________________________________________________________________________________________ __________________________________________________________________________________________ __________________________________________________________________________________________</a:t>
+            </a:r>
+          </a:p>
+          <a:p>
+            <a:pPr lvl="0" indent="0" marL="0">
+              <a:buNone/>
+            </a:pPr>
+            <a:r>
+              <a:rPr/>
+              <a:t>Rating (1-5): __________</a:t>
+            </a:r>
+          </a:p>
+          <a:p>
+            <a:pPr lvl="0" indent="0" marL="0">
+              <a:spcBef>
+                <a:spcPts val="3000"/>
+              </a:spcBef>
+              <a:buNone/>
+            </a:pPr>
+            <a:r>
+              <a:rPr b="1"/>
+              <a:t>Behavioral Competence 2: Teamwork and Collaboration</a:t>
+            </a:r>
+          </a:p>
+          <a:p>
+            <a:pPr lvl="0" indent="0" marL="0">
+              <a:buNone/>
+            </a:pPr>
+            <a:r>
+              <a:rPr/>
+              <a:t>Effective teamwork and the ability to collaborate across different roles and departments are fundamental to the success of Pacific Wellness Group’s mission. Candidates should possess strong interpersonal skills and a team-oriented mindset, reflecting the value of unified effort towards a common goal.</a:t>
+            </a:r>
+          </a:p>
+          <a:p>
+            <a:pPr lvl="0" indent="0" marL="0">
+              <a:spcBef>
+                <a:spcPts val="3000"/>
+              </a:spcBef>
+              <a:buNone/>
+            </a:pPr>
+            <a:r>
+              <a:rPr b="1"/>
+              <a:t>Lead Question</a:t>
+            </a:r>
+          </a:p>
+          <a:p>
+            <a:pPr lvl="0" indent="0" marL="1270000">
+              <a:buNone/>
+            </a:pPr>
+            <a:r>
+              <a:rPr sz="2000" b="1"/>
+              <a:t>“Can you tell us about a time when you had to collaborate with a diverse team to achieve a healthcare outcome? How did you ensure that everyone’s expertise was utilized?”</a:t>
+            </a:r>
+          </a:p>
+          <a:p>
+            <a:pPr lvl="0" indent="0" marL="0">
+              <a:buNone/>
+            </a:pPr>
+            <a:r>
+              <a:rPr i="1"/>
+              <a:t>Look for insights into the candidate’s capacity to work collaboratively, promote team cohesion, and integrate diverse perspectives.</a:t>
+            </a:r>
+          </a:p>
+          <a:p>
+            <a:pPr lvl="0" indent="0" marL="0">
+              <a:spcBef>
+                <a:spcPts val="3000"/>
+              </a:spcBef>
+              <a:buNone/>
+            </a:pPr>
+            <a:r>
+              <a:rPr b="1"/>
+              <a:t>Diving Deeper</a:t>
+            </a:r>
+          </a:p>
+          <a:p>
+            <a:pPr lvl="0"/>
+            <a:r>
+              <a:rPr b="1"/>
+              <a:t>Interdisciplinary Coordination</a:t>
+            </a:r>
+            <a:r>
+              <a:rPr/>
+              <a:t>: “Describe an interdisciplinary project you’ve been a part of. What role did you play and what was the outcome?”</a:t>
+            </a:r>
+          </a:p>
+          <a:p>
+            <a:pPr lvl="0"/>
+            <a:r>
+              <a:rPr b="1"/>
+              <a:t>Contribution to Team Goals</a:t>
+            </a:r>
+            <a:r>
+              <a:rPr/>
+              <a:t>: “What method do you typically use to contribute to team goals and objectives in a clinical environment?”</a:t>
+            </a:r>
+          </a:p>
+          <a:p>
+            <a:pPr lvl="0"/>
+            <a:r>
+              <a:rPr b="1"/>
+              <a:t>Conflict Resolution</a:t>
+            </a:r>
+            <a:r>
+              <a:rPr/>
+              <a:t>: “Provide an instance where you faced a conflict within your team. How did you contribute to its resolution?”</a:t>
+            </a:r>
+          </a:p>
+          <a:p>
+            <a:pPr lvl="0"/>
+            <a:r>
+              <a:rPr b="1"/>
+              <a:t>Shared Decision Making</a:t>
+            </a:r>
+            <a:r>
+              <a:rPr/>
+              <a:t>: “Explain a situation where you were involved in a collective decision-making process. How did you advocate for your viewpoint?”</a:t>
+            </a:r>
+          </a:p>
+          <a:p>
+            <a:pPr lvl="0" indent="0" marL="0">
+              <a:spcBef>
+                <a:spcPts val="3000"/>
+              </a:spcBef>
+              <a:buNone/>
+            </a:pPr>
+            <a:r>
+              <a:rPr b="1"/>
+              <a:t>Scenario</a:t>
+            </a:r>
+          </a:p>
+          <a:p>
+            <a:pPr lvl="0" indent="0" marL="0">
+              <a:buNone/>
+            </a:pPr>
+            <a:r>
+              <a:rPr/>
+              <a:t>“A patient’s treatment requires a quick, coordinated effort from the clinical team, involving several departments. You’ve noticed a lack of communication that could potentially delay the patient’s care. How would you facilitate collaboration and communication among the team to expedite the patient’s treatment?”</a:t>
+            </a:r>
+          </a:p>
+          <a:p>
+            <a:pPr lvl="0" indent="0" marL="0">
+              <a:buNone/>
+            </a:pPr>
+            <a:r>
+              <a:rPr i="1"/>
+              <a:t>Look for approaches that encourage effective teamwork, proactive communication, and commitment to the patient’s timely care.</a:t>
+            </a:r>
+          </a:p>
+          <a:p>
+            <a:pPr lvl="0" indent="0" marL="0">
+              <a:spcBef>
+                <a:spcPts val="3000"/>
+              </a:spcBef>
+              <a:buNone/>
+            </a:pPr>
+            <a:r>
+              <a:rPr b="1"/>
+              <a:t>Notes</a:t>
+            </a:r>
+          </a:p>
+          <a:p>
+            <a:pPr lvl="0" indent="0" marL="0">
+              <a:buNone/>
+            </a:pPr>
+            <a:r>
+              <a:rPr/>
+              <a:t>__________________________________________________________________________________________ __________________________________________________________________________________________ __________________________________________________________________________________________ __________________________________________________________________________________________ __________________________________________________________________________________________ __________________________________________________________________________________________</a:t>
+            </a:r>
+          </a:p>
+          <a:p>
+            <a:pPr lvl="0" indent="0" marL="0">
+              <a:buNone/>
+            </a:pPr>
+            <a:r>
+              <a:rPr/>
+              <a:t>Rating (1-5): __________</a:t>
+            </a:r>
+          </a:p>
+          <a:p>
+            <a:pPr lvl="0" indent="0" marL="0">
+              <a:spcBef>
+                <a:spcPts val="3000"/>
+              </a:spcBef>
+              <a:buNone/>
+            </a:pPr>
+            <a:r>
+              <a:rPr b="1"/>
+              <a:t>Behavioral Competence 3: Continuous Improvement (Innovation)</a:t>
+            </a:r>
+          </a:p>
+          <a:p>
+            <a:pPr lvl="0" indent="0" marL="0">
+              <a:buNone/>
+            </a:pPr>
+            <a:r>
+              <a:rPr/>
+              <a:t>Aligning with Pacific Wellness Group’s value of embracing innovation, a Medical Assistant II should display a commitment to continuous learning and improvement. Candidates should demonstrate how they seek to enhance their skills and processes to contribute to advancements in patient care and operational excellence.</a:t>
+            </a:r>
+          </a:p>
+          <a:p>
+            <a:pPr lvl="0" indent="0" marL="0">
+              <a:spcBef>
+                <a:spcPts val="3000"/>
+              </a:spcBef>
+              <a:buNone/>
+            </a:pPr>
+            <a:r>
+              <a:rPr b="1"/>
+              <a:t>Lead Question</a:t>
+            </a:r>
+          </a:p>
+          <a:p>
+            <a:pPr lvl="0" indent="0" marL="1270000">
+              <a:buNone/>
+            </a:pPr>
+            <a:r>
+              <a:rPr sz="2000" b="1"/>
+              <a:t>“Pacific Wellness Group values continuous improvement. Can you discuss an example of how you have identified and implemented a change that improved a process or outcome in your work?”</a:t>
+            </a:r>
+          </a:p>
+          <a:p>
+            <a:pPr lvl="0" indent="0" marL="0">
+              <a:buNone/>
+            </a:pPr>
+            <a:r>
+              <a:rPr i="1"/>
+              <a:t>Look for a proactive approach to problem-solving, willingness to initiate change, and an innovative mindset.</a:t>
+            </a:r>
+          </a:p>
+          <a:p>
+            <a:pPr lvl="0" indent="0" marL="0">
+              <a:spcBef>
+                <a:spcPts val="3000"/>
+              </a:spcBef>
+              <a:buNone/>
+            </a:pPr>
+            <a:r>
+              <a:rPr b="1"/>
+              <a:t>Diving Deeper</a:t>
+            </a:r>
+          </a:p>
+          <a:p>
+            <a:pPr lvl="0"/>
+            <a:r>
+              <a:rPr b="1"/>
+              <a:t>Process Optimization</a:t>
+            </a:r>
+            <a:r>
+              <a:rPr/>
+              <a:t>: “Describe a time when you suggested a new approach to a routine task that led to improvements in efficiency or outcomes.”</a:t>
+            </a:r>
+          </a:p>
+          <a:p>
+            <a:pPr lvl="0"/>
+            <a:r>
+              <a:rPr b="1"/>
+              <a:t>Learning and Development</a:t>
+            </a:r>
+            <a:r>
+              <a:rPr/>
+              <a:t>: “How do you stay current with the latest developments in medical assisting and apply them to your daily responsibilities?”</a:t>
+            </a:r>
+          </a:p>
+          <a:p>
+            <a:pPr lvl="0"/>
+            <a:r>
+              <a:rPr b="1"/>
+              <a:t>Change Adaptability</a:t>
+            </a:r>
+            <a:r>
+              <a:rPr/>
+              <a:t>: “Recall an instance when a significant change was introduced in your workplace. How did you adapt, and what role did you play in facilitating the transition?”</a:t>
+            </a:r>
+          </a:p>
+          <a:p>
+            <a:pPr lvl="0"/>
+            <a:r>
+              <a:rPr b="1"/>
+              <a:t>Innovative Thinking</a:t>
+            </a:r>
+            <a:r>
+              <a:rPr/>
+              <a:t>: “Have you ever had an innovative idea that was not initially accepted? How did you handle the situation and pursue the idea?”</a:t>
+            </a:r>
+          </a:p>
+          <a:p>
+            <a:pPr lvl="0" indent="0" marL="0">
+              <a:spcBef>
+                <a:spcPts val="3000"/>
+              </a:spcBef>
+              <a:buNone/>
+            </a:pPr>
+            <a:r>
+              <a:rPr b="1"/>
+              <a:t>Scenario</a:t>
+            </a:r>
+          </a:p>
+          <a:p>
+            <a:pPr lvl="0" indent="0" marL="0">
+              <a:buNone/>
+            </a:pPr>
+            <a:r>
+              <a:rPr/>
+              <a:t>“Consider that you’ve noticed patients often seem confused about their post-visit care instructions, which leads to frequent follow-up calls. How would you go about addressing and improving this situation?”</a:t>
+            </a:r>
+          </a:p>
+          <a:p>
+            <a:pPr lvl="0" indent="0" marL="0">
+              <a:buNone/>
+            </a:pPr>
+            <a:r>
+              <a:rPr i="1"/>
+              <a:t>Look for strategies that not only solve the immediate issue but also improve the overall patient experience and education process.</a:t>
+            </a:r>
+          </a:p>
+          <a:p>
+            <a:pPr lvl="0" indent="0" marL="0">
+              <a:spcBef>
+                <a:spcPts val="3000"/>
+              </a:spcBef>
+              <a:buNone/>
+            </a:pPr>
+            <a:r>
+              <a:rPr b="1"/>
+              <a:t>Notes</a:t>
+            </a:r>
+          </a:p>
+          <a:p>
+            <a:pPr lvl="0" indent="0" marL="0">
+              <a:buNone/>
+            </a:pPr>
+            <a:r>
+              <a:rPr/>
+              <a:t>__________________________________________________________________________________________ __________________________________________________________________________________________ __________________________________________________________________________________________ __________________________________________________________________________________________ __________________________________________________________________________________________ __________________________________________________________________________________________</a:t>
+            </a:r>
+          </a:p>
+          <a:p>
+            <a:pPr lvl="0" indent="0" marL="0">
+              <a:buNone/>
+            </a:pPr>
+            <a:r>
+              <a:rPr/>
+              <a:t>Rating (1-5): __________</a:t>
+            </a:r>
+          </a:p>
+          <a:p>
+            <a:pPr lvl="0" indent="0" marL="0">
+              <a:spcBef>
+                <a:spcPts val="3000"/>
+              </a:spcBef>
+              <a:buNone/>
+            </a:pPr>
+            <a:r>
+              <a:rPr b="1"/>
+              <a:t>Behavioral Competence 4: Professional Growth (Mentorship)</a:t>
+            </a:r>
+          </a:p>
+          <a:p>
+            <a:pPr lvl="0" indent="0" marL="0">
+              <a:buNone/>
+            </a:pPr>
+            <a:r>
+              <a:rPr/>
+              <a:t>The Medical Assistant II at Pacific Wellness Group should embody the value of mentorship by actively seeking and fostering professional development. They should contribute to creating an environment that supports growth and knowledge sharing among colleagues.</a:t>
+            </a:r>
+          </a:p>
+          <a:p>
+            <a:pPr lvl="0" indent="0" marL="0">
+              <a:spcBef>
+                <a:spcPts val="3000"/>
+              </a:spcBef>
+              <a:buNone/>
+            </a:pPr>
+            <a:r>
+              <a:rPr b="1"/>
+              <a:t>Lead Question</a:t>
+            </a:r>
+          </a:p>
+          <a:p>
+            <a:pPr lvl="0" indent="0" marL="1270000">
+              <a:buNone/>
+            </a:pPr>
+            <a:r>
+              <a:rPr sz="2000" b="1"/>
+              <a:t>“Mentorship is a key value at Pacific Wellness Group. Can you provide an example of how you have either mentored someone else or benefited from mentorship in your professional journey?”</a:t>
+            </a:r>
+          </a:p>
+          <a:p>
+            <a:pPr lvl="0" indent="0" marL="0">
+              <a:buNone/>
+            </a:pPr>
+            <a:r>
+              <a:rPr i="1"/>
+              <a:t>Look for examples reflecting commitment to personal growth and the development of others, as well as the ability to provide or receive guidance.</a:t>
+            </a:r>
+          </a:p>
+          <a:p>
+            <a:pPr lvl="0" indent="0" marL="0">
+              <a:spcBef>
+                <a:spcPts val="3000"/>
+              </a:spcBef>
+              <a:buNone/>
+            </a:pPr>
+            <a:r>
+              <a:rPr b="1"/>
+              <a:t>Diving Deeper</a:t>
+            </a:r>
+          </a:p>
+          <a:p>
+            <a:pPr lvl="0"/>
+            <a:r>
+              <a:rPr b="1"/>
+              <a:t>Skill Enhancement</a:t>
+            </a:r>
+            <a:r>
+              <a:rPr/>
+              <a:t>: “How do you approach continuous skill improvement in your career as a Medical Assistant?”</a:t>
+            </a:r>
+          </a:p>
+          <a:p>
+            <a:pPr lvl="0"/>
+            <a:r>
+              <a:rPr b="1"/>
+              <a:t>Knowledge Sharing</a:t>
+            </a:r>
+            <a:r>
+              <a:rPr/>
+              <a:t>: “Describe a situation where you shared your expertise with colleagues or patients to improve their understanding or skills.”</a:t>
+            </a:r>
+          </a:p>
+          <a:p>
+            <a:pPr lvl="0"/>
+            <a:r>
+              <a:rPr b="1"/>
+              <a:t>Mentoring Others</a:t>
+            </a:r>
+            <a:r>
+              <a:rPr/>
+              <a:t>: “Have you had the opportunity to mentor a less experienced medical professional or team member? What approach did you take, and how did the experience go?”</a:t>
+            </a:r>
+          </a:p>
+          <a:p>
+            <a:pPr lvl="0"/>
+            <a:r>
+              <a:rPr b="1"/>
+              <a:t>Career Planning</a:t>
+            </a:r>
+            <a:r>
+              <a:rPr/>
+              <a:t>: “Tell us about how you plan for your professional advancement, including any goals or strategies you have set.”</a:t>
+            </a:r>
+          </a:p>
+          <a:p>
+            <a:pPr lvl="0" indent="0" marL="0">
+              <a:spcBef>
+                <a:spcPts val="3000"/>
+              </a:spcBef>
+              <a:buNone/>
+            </a:pPr>
+            <a:r>
+              <a:rPr b="1"/>
+              <a:t>Scenario</a:t>
+            </a:r>
+          </a:p>
+          <a:p>
+            <a:pPr lvl="0" indent="0" marL="0">
+              <a:buNone/>
+            </a:pPr>
+            <a:r>
+              <a:rPr/>
+              <a:t>“A new medical assistant is struggling with the pace and complexity of tasks in the clinic. As a seasoned assistant, how would you support and mentor this colleague to enhance their performance and confidence?”</a:t>
+            </a:r>
+          </a:p>
+          <a:p>
+            <a:pPr lvl="0" indent="0" marL="0">
+              <a:buNone/>
+            </a:pPr>
+            <a:r>
+              <a:rPr i="1"/>
+              <a:t>Look for strategies indicating a supportive and constructive approach to mentorship and the ability to inspire confidence in others.</a:t>
+            </a:r>
+          </a:p>
+          <a:p>
+            <a:pPr lvl="0" indent="0" marL="0">
+              <a:spcBef>
+                <a:spcPts val="3000"/>
+              </a:spcBef>
+              <a:buNone/>
+            </a:pPr>
+            <a:r>
+              <a:rPr b="1"/>
+              <a:t>Notes</a:t>
+            </a:r>
+          </a:p>
+          <a:p>
+            <a:pPr lvl="0" indent="0" marL="0">
+              <a:buNone/>
+            </a:pPr>
+            <a:r>
+              <a:rPr/>
+              <a:t>__________________________________________________________________________________________ __________________________________________________________________________________________ __________________________________________________________________________________________ __________________________________________________________________________________________ __________________________________________________________________________________________ __________________________________________________________________________________________</a:t>
+            </a:r>
+          </a:p>
+          <a:p>
+            <a:pPr lvl="0" indent="0" marL="0">
+              <a:buNone/>
+            </a:pPr>
+            <a:r>
+              <a:rPr/>
+              <a:t>Rating (1-5): __________</a:t>
+            </a:r>
+          </a:p>
+          <a:p>
+            <a:pPr lvl="0" indent="0" marL="0">
+              <a:spcBef>
+                <a:spcPts val="3000"/>
+              </a:spcBef>
+              <a:buNone/>
+            </a:pPr>
+            <a:r>
+              <a:rPr b="1"/>
+              <a:t>Behavioral Competence 5: Community Building (Connection)</a:t>
+            </a:r>
+          </a:p>
+          <a:p>
+            <a:pPr lvl="0" indent="0" marL="0">
+              <a:buNone/>
+            </a:pPr>
+            <a:r>
+              <a:rPr/>
+              <a:t>Pacific Wellness Group emphasizes the importance of fostering connections and building a supportive community. Candidates are expected to contribute to a culture where everyone feels valued, supported, and part of a cohesive group.</a:t>
+            </a:r>
+          </a:p>
+          <a:p>
+            <a:pPr lvl="0" indent="0" marL="0">
+              <a:spcBef>
+                <a:spcPts val="3000"/>
+              </a:spcBef>
+              <a:buNone/>
+            </a:pPr>
+            <a:r>
+              <a:rPr b="1"/>
+              <a:t>Lead Question</a:t>
+            </a:r>
+          </a:p>
+          <a:p>
+            <a:pPr lvl="0" indent="0" marL="1270000">
+              <a:buNone/>
+            </a:pPr>
+            <a:r>
+              <a:rPr sz="2000" b="1"/>
+              <a:t>“Building a supportive community is vital at Pacific Wellness Group. Can you share an experience where you played a key role in building or enhancing a sense of community in your workplace?”</a:t>
+            </a:r>
+          </a:p>
+          <a:p>
+            <a:pPr lvl="0" indent="0" marL="0">
+              <a:buNone/>
+            </a:pPr>
+            <a:r>
+              <a:rPr i="1"/>
+              <a:t>Look for instances indicating the candidate’s ability to create bonds, foster inclusiveness, and build a sense of belonging.</a:t>
+            </a:r>
+          </a:p>
+          <a:p>
+            <a:pPr lvl="0" indent="0" marL="0">
+              <a:spcBef>
+                <a:spcPts val="3000"/>
+              </a:spcBef>
+              <a:buNone/>
+            </a:pPr>
+            <a:r>
+              <a:rPr b="1"/>
+              <a:t>Diving Deeper</a:t>
+            </a:r>
+          </a:p>
+          <a:p>
+            <a:pPr lvl="0"/>
+            <a:r>
+              <a:rPr b="1"/>
+              <a:t>Relationship Building</a:t>
+            </a:r>
+            <a:r>
+              <a:rPr/>
+              <a:t>: “What strategies do you use to develop and maintain positive working relationships with coworkers from different departments?”</a:t>
+            </a:r>
+          </a:p>
+          <a:p>
+            <a:pPr lvl="0"/>
+            <a:r>
+              <a:rPr b="1"/>
+              <a:t>Inclusivity</a:t>
+            </a:r>
+            <a:r>
+              <a:rPr/>
+              <a:t>: “Give us an example of how you have made others feel included in a team or project, especially those who might otherwise feel marginalized.”</a:t>
+            </a:r>
+          </a:p>
+          <a:p>
+            <a:pPr lvl="0"/>
+            <a:r>
+              <a:rPr b="1"/>
+              <a:t>Community Participation</a:t>
+            </a:r>
+            <a:r>
+              <a:rPr/>
+              <a:t>: “How do you engage with your workplace or local community to promote connection and a shared sense of purpose?”</a:t>
+            </a:r>
+          </a:p>
+          <a:p>
+            <a:pPr lvl="0"/>
+            <a:r>
+              <a:rPr b="1"/>
+              <a:t>Supportive Networking</a:t>
+            </a:r>
+            <a:r>
+              <a:rPr/>
+              <a:t>: “Describe a network of support you’ve helped to create or been a part of. How has it benefited you and others?”</a:t>
+            </a:r>
+          </a:p>
+          <a:p>
+            <a:pPr lvl="0" indent="0" marL="0">
+              <a:spcBef>
+                <a:spcPts val="3000"/>
+              </a:spcBef>
+              <a:buNone/>
+            </a:pPr>
+            <a:r>
+              <a:rPr b="1"/>
+              <a:t>Scenario</a:t>
+            </a:r>
+          </a:p>
+          <a:p>
+            <a:pPr lvl="0" indent="0" marL="0">
+              <a:buNone/>
+            </a:pPr>
+            <a:r>
+              <a:rPr/>
+              <a:t>“Suppose you notice that certain employees, particularly new hires or individuals from diverse backgrounds, are not actively participating in team discussions or social functions. What actions might you take to engage them and ensure they feel welcomed and valued?”</a:t>
+            </a:r>
+          </a:p>
+          <a:p>
+            <a:pPr lvl="0" indent="0" marL="0">
+              <a:buNone/>
+            </a:pPr>
+            <a:r>
+              <a:rPr i="1"/>
+              <a:t>Look for actions that demonstrate empathy, proactive inclusivity, and a genuine commitment to connecting with and supporting colleagues.</a:t>
+            </a:r>
+          </a:p>
+          <a:p>
+            <a:pPr lvl="0" indent="0" marL="0">
+              <a:spcBef>
+                <a:spcPts val="3000"/>
+              </a:spcBef>
+              <a:buNone/>
+            </a:pPr>
+            <a:r>
+              <a:rPr b="1"/>
+              <a:t>Notes</a:t>
+            </a:r>
+          </a:p>
+          <a:p>
+            <a:pPr lvl="0" indent="0" marL="0">
+              <a:buNone/>
+            </a:pPr>
+            <a:r>
+              <a:rPr/>
+              <a:t>__________________________________________________________________________________________ __________________________________________________________________________________________ __________________________________________________________________________________________ __________________________________________________________________________________________ __________________________________________________________________________________________ __________________________________________________________________________________________</a:t>
             </a:r>
           </a:p>
           <a:p>
@@ -3433,7 +4144,7 @@
             </a:pPr>
             <a:r>
               <a:rPr/>
-              <a:t>Candidate Q&amp;A</a:t>
+              <a:t>Practical Assignment</a:t>
             </a:r>
           </a:p>
         </p:txBody>
@@ -3458,7 +4169,283 @@
             </a:pPr>
             <a:r>
               <a:rPr/>
-              <a:t>Candidates often come prepared with questions about the role, team, and company. Below are possible questions from the candidate along with informed responses that accurately represent Pacific Wellness Group and its values.</a:t>
+              <a:t>The practical assignment for the Medical Assistant II candidate at Pacific Wellness Group will involve simulating a typical clinical task. This could be a mock patient consultation where the candidate is required to take a patient history, explain a common procedure, prepare the room, and demonstrate how they would document the visit in the EMR system.</a:t>
+            </a:r>
+          </a:p>
+          <a:p>
+            <a:pPr lvl="0" indent="0" marL="0">
+              <a:buNone/>
+            </a:pPr>
+            <a:r>
+              <a:rPr/>
+              <a:t>Objectives: - Assess the candidate’s ability to apply their clinical skills in a practical setting. - Evaluate the candidate’s proficiency with EMR and documentation. - Observe the candidate’s communication skills and bedside manner with patients.</a:t>
+            </a:r>
+          </a:p>
+          <a:p>
+            <a:pPr lvl="0" indent="0" marL="0">
+              <a:buNone/>
+            </a:pPr>
+            <a:r>
+              <a:rPr/>
+              <a:t>Evaluation Criteria: - Accuracy in obtaining patient information. - Clarity and empathy in communication with the “patient.” - Effectiveness in preparing for and explaining the procedure. - Proficiency in documenting the consultation in the EMR.</a:t>
+            </a:r>
+          </a:p>
+          <a:p>
+            <a:pPr lvl="0" indent="0" marL="0">
+              <a:buNone/>
+            </a:pPr>
+            <a:r>
+              <a:rPr/>
+              <a:t>Interviewers should assess the candidate’s approach, noting their organization, attention to detail, and ability to provide comprehensive patient care. Candidates should also be evaluated on their comfort and familiarity with using EMR systems, as well as their ability to maintain professional and supportive patient interactions.</a:t>
+            </a:r>
+          </a:p>
+          <a:p>
+            <a:pPr lvl="0" indent="0" marL="0">
+              <a:spcBef>
+                <a:spcPts val="3000"/>
+              </a:spcBef>
+              <a:buNone/>
+            </a:pPr>
+            <a:r>
+              <a:rPr b="1"/>
+              <a:t>Notes</a:t>
+            </a:r>
+          </a:p>
+          <a:p>
+            <a:pPr lvl="0" indent="0" marL="0">
+              <a:buNone/>
+            </a:pPr>
+            <a:r>
+              <a:rPr/>
+              <a:t>__________________________________________________________________________________________ __________________________________________________________________________________________ __________________________________________________________________________________________ __________________________________________________________________________________________ __________________________________________________________________________________________ __________________________________________________________________________________________</a:t>
+            </a:r>
+          </a:p>
+          <a:p>
+            <a:pPr lvl="0" indent="0" marL="0">
+              <a:buNone/>
+            </a:pPr>
+            <a:r>
+              <a:rPr/>
+              <a:t>Rating (1-5): __________</a:t>
+            </a:r>
+          </a:p>
+        </p:txBody>
+      </p:sp>
+    </p:spTree>
+  </p:cSld>
+</p:sld>
+</file>
+
+<file path=ppt/slides/slide12.xml><?xml version="1.0" encoding="utf-8"?>
+<p:sld xmlns:a="http://schemas.openxmlformats.org/drawingml/2006/main" xmlns:r="http://schemas.openxmlformats.org/officeDocument/2006/relationships" xmlns:p="http://schemas.openxmlformats.org/presentationml/2006/main">
+  <p:cSld>
+    <p:spTree>
+      <p:nvGrpSpPr>
+        <p:cNvPr id="1" name=""/>
+        <p:cNvGrpSpPr/>
+        <p:nvPr/>
+      </p:nvGrpSpPr>
+      <p:grpSpPr>
+        <a:xfrm>
+          <a:off x="0" y="0"/>
+          <a:ext cx="0" cy="0"/>
+          <a:chOff x="0" y="0"/>
+          <a:chExt cx="0" cy="0"/>
+        </a:xfrm>
+      </p:grpSpPr>
+      <p:sp>
+        <p:nvSpPr>
+          <p:cNvPr id="2" name="Title 1"/>
+          <p:cNvSpPr>
+            <a:spLocks noGrp="1"/>
+          </p:cNvSpPr>
+          <p:nvPr>
+            <p:ph type="title"/>
+          </p:nvPr>
+        </p:nvSpPr>
+        <p:spPr/>
+        <p:txBody>
+          <a:bodyPr/>
+          <a:lstStyle/>
+          <a:p>
+            <a:pPr lvl="0" indent="0" marL="0">
+              <a:buNone/>
+            </a:pPr>
+            <a:r>
+              <a:rPr/>
+              <a:t>Team Fit</a:t>
+            </a:r>
+          </a:p>
+        </p:txBody>
+      </p:sp>
+      <p:sp>
+        <p:nvSpPr>
+          <p:cNvPr id="3" name="Content Placeholder 2"/>
+          <p:cNvSpPr>
+            <a:spLocks noGrp="1"/>
+          </p:cNvSpPr>
+          <p:nvPr>
+            <p:ph idx="1"/>
+          </p:nvPr>
+        </p:nvSpPr>
+        <p:spPr/>
+        <p:txBody>
+          <a:bodyPr/>
+          <a:lstStyle/>
+          <a:p>
+            <a:pPr lvl="0" indent="0" marL="0">
+              <a:buNone/>
+            </a:pPr>
+            <a:r>
+              <a:rPr/>
+              <a:t>For the Medical Assistant II position at Pacific Wellness Group, it is essential to assess how well the candidate will mesh with the existing team. The team interaction component of the interview provides insights into the candidate’s interpersonal skills, adaptability, and ability to work collaboratively with colleagues.</a:t>
+            </a:r>
+          </a:p>
+          <a:p>
+            <a:pPr lvl="0" indent="0" marL="0">
+              <a:buNone/>
+            </a:pPr>
+            <a:r>
+              <a:rPr/>
+              <a:t>During this stage, the candidate may be introduced to potential peers and supervisors. This could include a brief meet and greet, a shadowing period, or a more structured group discussion with team members on relevant topics.</a:t>
+            </a:r>
+          </a:p>
+          <a:p>
+            <a:pPr lvl="0" indent="0" marL="0">
+              <a:buNone/>
+            </a:pPr>
+            <a:r>
+              <a:rPr/>
+              <a:t>Rationale for team involvement: - To observe the candidate’s interaction with potential colleagues. - To garner feedback from staff who will be working directly with the new hire. - To determine the candidate’s fit within the team dynamic and company culture.</a:t>
+            </a:r>
+          </a:p>
+          <a:p>
+            <a:pPr lvl="0" indent="0" marL="0">
+              <a:buNone/>
+            </a:pPr>
+            <a:r>
+              <a:rPr/>
+              <a:t>Potential discussion points or activities: - How the candidate approaches teamwork and handles joint responsibilities. - Feedback on the candidate’s communication style and responsiveness. - Compatibility with the team’s working style and problem-solving methods.</a:t>
+            </a:r>
+          </a:p>
+          <a:p>
+            <a:pPr lvl="0" indent="0" marL="0">
+              <a:buNone/>
+            </a:pPr>
+            <a:r>
+              <a:rPr/>
+              <a:t>The interviewer should note the candidate’s ability to build rapport, participate in group discussions constructively, and respond to the team’s dynamics. Feedback from team members involved in the interaction should also be considered when evaluating the overall potential for success in the role.</a:t>
+            </a:r>
+          </a:p>
+          <a:p>
+            <a:pPr lvl="0" indent="0" marL="0">
+              <a:spcBef>
+                <a:spcPts val="3000"/>
+              </a:spcBef>
+              <a:buNone/>
+            </a:pPr>
+            <a:r>
+              <a:rPr b="1"/>
+              <a:t>Notes</a:t>
+            </a:r>
+          </a:p>
+          <a:p>
+            <a:pPr lvl="0" indent="0" marL="0">
+              <a:buNone/>
+            </a:pPr>
+            <a:r>
+              <a:rPr/>
+              <a:t>__________________________________________________________________________________________ __________________________________________________________________________________________ __________________________________________________________________________________________ __________________________________________________________________________________________ __________________________________________________________________________________________ __________________________________________________________________________________________</a:t>
+            </a:r>
+          </a:p>
+          <a:p>
+            <a:pPr lvl="0" indent="0" marL="0">
+              <a:buNone/>
+            </a:pPr>
+            <a:r>
+              <a:rPr/>
+              <a:t>Rating (1-5): __________</a:t>
+            </a:r>
+          </a:p>
+        </p:txBody>
+      </p:sp>
+    </p:spTree>
+  </p:cSld>
+</p:sld>
+</file>
+
+<file path=ppt/slides/slide13.xml><?xml version="1.0" encoding="utf-8"?>
+<p:sld xmlns:a="http://schemas.openxmlformats.org/drawingml/2006/main" xmlns:r="http://schemas.openxmlformats.org/officeDocument/2006/relationships" xmlns:p="http://schemas.openxmlformats.org/presentationml/2006/main">
+  <p:cSld>
+    <p:spTree>
+      <p:nvGrpSpPr>
+        <p:cNvPr id="1" name=""/>
+        <p:cNvGrpSpPr/>
+        <p:nvPr/>
+      </p:nvGrpSpPr>
+      <p:grpSpPr>
+        <a:xfrm>
+          <a:off x="0" y="0"/>
+          <a:ext cx="0" cy="0"/>
+          <a:chOff x="0" y="0"/>
+          <a:chExt cx="0" cy="0"/>
+        </a:xfrm>
+      </p:grpSpPr>
+      <p:sp>
+        <p:nvSpPr>
+          <p:cNvPr id="2" name="Title 1"/>
+          <p:cNvSpPr>
+            <a:spLocks noGrp="1"/>
+          </p:cNvSpPr>
+          <p:nvPr>
+            <p:ph type="title"/>
+          </p:nvPr>
+        </p:nvSpPr>
+        <p:spPr/>
+        <p:txBody>
+          <a:bodyPr/>
+          <a:lstStyle/>
+          <a:p>
+            <a:pPr lvl="0" indent="0" marL="0">
+              <a:buNone/>
+            </a:pPr>
+            <a:r>
+              <a:rPr/>
+              <a:t>Candidate Q&amp;A</a:t>
+            </a:r>
+          </a:p>
+        </p:txBody>
+      </p:sp>
+      <p:sp>
+        <p:nvSpPr>
+          <p:cNvPr id="3" name="Content Placeholder 2"/>
+          <p:cNvSpPr>
+            <a:spLocks noGrp="1"/>
+          </p:cNvSpPr>
+          <p:nvPr>
+            <p:ph idx="1"/>
+          </p:nvPr>
+        </p:nvSpPr>
+        <p:spPr/>
+        <p:txBody>
+          <a:bodyPr/>
+          <a:lstStyle/>
+          <a:p>
+            <a:pPr lvl="0" indent="0" marL="0">
+              <a:buNone/>
+            </a:pPr>
+            <a:r>
+              <a:rPr/>
+              <a:t>It’s critical for candidates to have the opportunity to ask questions about their potential new role and organization. This can provide valuable insights into their priorities and interest in the position at Pacific Wellness Group.</a:t>
+            </a:r>
+          </a:p>
+          <a:p>
+            <a:pPr lvl="0" indent="0" marL="0">
+              <a:buNone/>
+            </a:pPr>
+            <a:r>
+              <a:rPr/>
+              <a:t>Here are six questions candidates might ask, along with comprehensive answers:</a:t>
             </a:r>
           </a:p>
           <a:p>
@@ -3467,14 +4454,15 @@
             </a:pPr>
             <a:r>
               <a:rPr b="1"/>
-              <a:t>“What opportunities for professional development does Pacific Wellness Group offer?”</a:t>
-            </a:r>
-          </a:p>
-          <a:p>
-            <a:pPr lvl="1"/>
-            <a:r>
-              <a:rPr/>
-              <a:t>At Pacific Wellness Group, we take pride in our employees’ growth and offer various professional development programs, including continuing education, mentorship, and leadership training.</a:t>
+              <a:t>“What opportunities for professional development does Pacific Wellness Group offer for Medical Assistant IIs?”</a:t>
+            </a:r>
+            <a:r>
+              <a:rPr/>
+              <a:t> </a:t>
+            </a:r>
+            <a:r>
+              <a:rPr i="1"/>
+              <a:t>Answer: Pacific Wellness Group values continuous learning and offers various professional development programs, including in-house training, mentorship opportunities, access to medical seminars, and support for ongoing education relevant to the medical field.</a:t>
             </a:r>
           </a:p>
           <a:p>
@@ -3483,14 +4471,15 @@
             </a:pPr>
             <a:r>
               <a:rPr b="1"/>
-              <a:t>“How does Pacific Wellness Group integrate innovation in its daily operations?”</a:t>
-            </a:r>
-          </a:p>
-          <a:p>
-            <a:pPr lvl="1"/>
-            <a:r>
-              <a:rPr/>
-              <a:t>Innovation is one of our core values. We regularly implement new healthcare technologies, encourage our staff to participate in improvement initiatives, and foster a culture where innovative ideas are valued and explored.</a:t>
+              <a:t>“How does the clinic measure success for someone in this position?”</a:t>
+            </a:r>
+            <a:r>
+              <a:rPr/>
+              <a:t> </a:t>
+            </a:r>
+            <a:r>
+              <a:rPr i="1"/>
+              <a:t>Answer: Success is measured by a combination of patient satisfaction scores, adherence to health and safety protocols, efficiency in clinical operations, and the ability to work effectively with the healthcare team.</a:t>
             </a:r>
           </a:p>
           <a:p>
@@ -3499,14 +4488,15 @@
             </a:pPr>
             <a:r>
               <a:rPr b="1"/>
-              <a:t>“Can you describe the teamwork dynamics within the clinic?”</a:t>
-            </a:r>
-          </a:p>
-          <a:p>
-            <a:pPr lvl="1"/>
-            <a:r>
-              <a:rPr/>
-              <a:t>Our clinic operates on a foundation of mutual respect and collaboration. Teams across departments work closely to ensure the most effective and comprehensive patient care, in line with Pacific Wellness Group’s commitment to teamwork.</a:t>
+              <a:t>“Can you describe the typical team dynamics I would be joining?”</a:t>
+            </a:r>
+            <a:r>
+              <a:rPr/>
+              <a:t> </a:t>
+            </a:r>
+            <a:r>
+              <a:rPr i="1"/>
+              <a:t>Answer: You’ll be joining a dedicated team focused on collaboration and quality patient care. Our team dynamics are rooted in open communication, mutual support, and shared commitment to our company values.</a:t>
             </a:r>
           </a:p>
           <a:p>
@@ -3515,14 +4505,15 @@
             </a:pPr>
             <a:r>
               <a:rPr b="1"/>
-              <a:t>“What are the common challenges faced by the Medical Assistant II, and how is support provided?”</a:t>
-            </a:r>
-          </a:p>
-          <a:p>
-            <a:pPr lvl="1"/>
-            <a:r>
-              <a:rPr/>
-              <a:t>Challenges can vary, but they often involve managing high patient volumes and coordinating care among multiple providers. We support our staff through clear communication channels, teamwork, and resources for stress management.</a:t>
+              <a:t>“How does innovation play a part in the daily responsibilities of a Medical Assistant II?”</a:t>
+            </a:r>
+            <a:r>
+              <a:rPr/>
+              <a:t> </a:t>
+            </a:r>
+            <a:r>
+              <a:rPr i="1"/>
+              <a:t>Answer: We encourage our Medical Assistants to contribute innovative ideas that can improve patient care or clinic operations, whether through new technologies, process improvements, or patient engagement strategies.</a:t>
             </a:r>
           </a:p>
           <a:p>
@@ -3531,14 +4522,15 @@
             </a:pPr>
             <a:r>
               <a:rPr b="1"/>
-              <a:t>“How does the clinic measure and ensure high standards of patient care?”</a:t>
-            </a:r>
-          </a:p>
-          <a:p>
-            <a:pPr lvl="1"/>
-            <a:r>
-              <a:rPr/>
-              <a:t>We employ regular audits, patient feedback systems, and adherence to clinical care protocols to maintain excellence in patient care. Continuous improvement is sought through ongoing training and quality improvement initiatives.</a:t>
+              <a:t>“What is the most challenging aspect that others have found in this role, and how does the clinic support staff in handling this?”</a:t>
+            </a:r>
+            <a:r>
+              <a:rPr/>
+              <a:t> </a:t>
+            </a:r>
+            <a:r>
+              <a:rPr i="1"/>
+              <a:t>Answer: One of the challenging aspects is balancing the varied tasks a Medical Assistant II is responsible for. Pacific Wellness Group supports its staff with a collaborative environment where asking for help and teamwork is encouraged.</a:t>
             </a:r>
           </a:p>
           <a:p>
@@ -3547,14 +4539,15 @@
             </a:pPr>
             <a:r>
               <a:rPr b="1"/>
-              <a:t>“What is the process for providing feedback and suggestions within the team?”</a:t>
-            </a:r>
-          </a:p>
-          <a:p>
-            <a:pPr lvl="1"/>
-            <a:r>
-              <a:rPr/>
-              <a:t>We embrace an open-door policy for feedback and employ multiple platforms for suggestions — from direct discussions with supervisors to team meetings and anonymous feedback tools — to ensure everyone’s voice is heard.</a:t>
+              <a:t>“What impact do you hope the new Medical Assistant II will have in the first six months?”</a:t>
+            </a:r>
+            <a:r>
+              <a:rPr/>
+              <a:t> </a:t>
+            </a:r>
+            <a:r>
+              <a:rPr i="1"/>
+              <a:t>Answer: We expect the new Medical Assistant II to integrate with the team seamlessly, bring a positive energy to patient interactions, showcase considerable growth in familiarity with our processes, and begin to contribute to our constant pursuit of excellence in patient care.</a:t>
             </a:r>
           </a:p>
         </p:txBody>
@@ -3621,73 +4614,36 @@
           <a:bodyPr/>
           <a:lstStyle/>
           <a:p>
-            <a:pPr lvl="0" indent="0" marL="0">
-              <a:buNone/>
-            </a:pPr>
-            <a:r>
-              <a:rPr/>
-              <a:t>This Interview Playbook is designed to guide the hiring team through the selection process for the Medical Assistant II position at Pacific Wellness Group. The role is crucial to the seamless delivery of patient care and support of the healthcare staff. The objective of the interview is to identify a candidate with not only the requisite technical skills but also someone who embodies the company values of innovation, connection, teamwork, mentorship, participation, and action. Through this process, we aim to find a healthcare professional who will contribute to our mission of healing humanity through science and compassion and advance our vision by providing patient-centered care at the highest standards.</a:t>
-            </a:r>
-          </a:p>
-          <a:p>
-            <a:pPr lvl="0" indent="0" marL="0">
-              <a:spcBef>
-                <a:spcPts val="3000"/>
-              </a:spcBef>
-              <a:buNone/>
-            </a:pPr>
-            <a:r>
-              <a:rPr b="1"/>
-              <a:t>Interview Structure</a:t>
-            </a:r>
-          </a:p>
-          <a:p>
-            <a:pPr lvl="0" indent="0" marL="0">
-              <a:buNone/>
-            </a:pPr>
-            <a:r>
-              <a:rPr/>
-              <a:t>The interview for the Medical Assistant II position is structured to take place over a span of 45-60 minutes and is divided into several parts to assess both technical and behavioral competencies.</a:t>
-            </a:r>
-          </a:p>
-          <a:p>
-            <a:pPr lvl="0"/>
-            <a:r>
-              <a:rPr/>
-              <a:t>The first 10 minutes are allocated for introductions and an overview of the role and company.</a:t>
-            </a:r>
-          </a:p>
-          <a:p>
-            <a:pPr lvl="0"/>
-            <a:r>
-              <a:rPr/>
-              <a:t>This is followed by a 20-minute segment dedicated to evaluating the technical competencies: Clinical Task Proficiency, Medical Knowledge, EHR Management, Technical Equipment Handling, and BLS Procedures.</a:t>
-            </a:r>
-          </a:p>
-          <a:p>
-            <a:pPr lvl="0"/>
-            <a:r>
-              <a:rPr/>
-              <a:t>The subsequent 20 minutes will focus on behavioral competencies such as Service Excellence, Team Collaboration, Communication Skills, Continuous Improvement, and Organizational Skills. During this time, the interviewers will explore the candidates’ past experiences and their alignment with company values.</a:t>
-            </a:r>
-          </a:p>
-          <a:p>
-            <a:pPr lvl="0"/>
-            <a:r>
-              <a:rPr/>
-              <a:t>The final 10-15 minutes are reserved for the candidate’s questions and a wrap-up of the interview, providing a clear understanding of the subsequent steps in the hiring process.</a:t>
-            </a:r>
-          </a:p>
-          <a:p>
-            <a:pPr lvl="0" indent="0" marL="0">
-              <a:spcBef>
-                <a:spcPts val="3000"/>
-              </a:spcBef>
-              <a:buNone/>
-            </a:pPr>
-            <a:r>
-              <a:rPr b="1"/>
-              <a:t>Job Description</a:t>
+            <a:pPr lvl="0" indent="0">
+              <a:buNone/>
+            </a:pPr>
+            <a:r>
+              <a:rPr>
+                <a:solidFill>
+                  <a:srgbClr val="06287E"/>
+                </a:solidFill>
+                <a:latin typeface="Courier"/>
+              </a:rPr>
+              <a:t># Interview Playbook for Medical Assistant II</a:t>
+            </a:r>
+            <a:br/>
+            <a:br/>
+            <a:r>
+              <a:rPr>
+                <a:solidFill>
+                  <a:srgbClr val="06287E"/>
+                </a:solidFill>
+                <a:latin typeface="Courier"/>
+              </a:rPr>
+              <a:t>## Introduction</a:t>
+            </a:r>
+            <a:br/>
+            <a:br/>
+            <a:r>
+              <a:rPr>
+                <a:latin typeface="Courier"/>
+              </a:rPr>
+              <a:t>This document serves as a comprehensive guide for the hiring team at Pacific Wellness Group in the selection of candidates for the position of Medical Assistant II. It is tailored to assess both technical and behavioral competencies critical for the role, in alignment with the company's commitment to quality patient care and innovation in healthcare. The interview process outlined here is designed to objectively evaluate each candidate's skills, work ethic, and alignment with our core values, thereby ensuring a thorough and fair hiring process.</a:t>
             </a:r>
           </a:p>
         </p:txBody>
@@ -3724,12 +4680,7 @@
             <p:ph type="title"/>
           </p:nvPr>
         </p:nvSpPr>
-        <p:spPr>
-          <a:xfrm>
-            <a:off x="722313" y="3305176"/>
-            <a:ext cx="7772400" cy="1021556"/>
-          </a:xfrm>
-        </p:spPr>
+        <p:spPr/>
         <p:txBody>
           <a:bodyPr/>
           <a:lstStyle/>
@@ -3739,7 +4690,129 @@
             </a:pPr>
             <a:r>
               <a:rPr/>
-              <a:t>Job Description</a:t>
+              <a:t>Interview Structure</a:t>
+            </a:r>
+          </a:p>
+        </p:txBody>
+      </p:sp>
+      <p:sp>
+        <p:nvSpPr>
+          <p:cNvPr id="3" name="Content Placeholder 2"/>
+          <p:cNvSpPr>
+            <a:spLocks noGrp="1"/>
+          </p:cNvSpPr>
+          <p:nvPr>
+            <p:ph idx="1"/>
+          </p:nvPr>
+        </p:nvSpPr>
+        <p:spPr/>
+        <p:txBody>
+          <a:bodyPr/>
+          <a:lstStyle/>
+          <a:p>
+            <a:pPr lvl="0" indent="0" marL="0">
+              <a:buNone/>
+            </a:pPr>
+            <a:r>
+              <a:rPr/>
+              <a:t>The interview for the Medical Assistant II position at Pacific Wellness Group should be structured over approximately 60 to 90 minutes, divided into distinct sections as follows:</a:t>
+            </a:r>
+          </a:p>
+          <a:p>
+            <a:pPr lvl="0"/>
+            <a:r>
+              <a:rPr b="1"/>
+              <a:t>Introduction (5-10 minutes)</a:t>
+            </a:r>
+            <a:r>
+              <a:rPr/>
+              <a:t>: Begin with a brief welcome and provide an overview of Pacific Wellness Group, the interview flow, and discuss the candidate’s understanding of the Medical Assistant II role.</a:t>
+            </a:r>
+          </a:p>
+          <a:p>
+            <a:pPr lvl="0"/>
+            <a:r>
+              <a:rPr b="1"/>
+              <a:t>Review of Basic Qualifications (5-10 minutes)</a:t>
+            </a:r>
+            <a:r>
+              <a:rPr/>
+              <a:t>: Quickly verify the candidate’s background, certifications, and basic requisites for the job.</a:t>
+            </a:r>
+          </a:p>
+          <a:p>
+            <a:pPr lvl="0"/>
+            <a:r>
+              <a:rPr b="1"/>
+              <a:t>Technical Assessment (20-30 minutes)</a:t>
+            </a:r>
+            <a:r>
+              <a:rPr/>
+              <a:t>: Dive into the five key technical competencies, which include Clinical Procedures Proficiency, Communication Skills, Health and Safety Compliance, Computer and EMR Proficiency, and Organizational Skills. Ensure to observe the candidate’s articulation of their skills and experience in each area.</a:t>
+            </a:r>
+          </a:p>
+          <a:p>
+            <a:pPr lvl="0"/>
+            <a:r>
+              <a:rPr b="1"/>
+              <a:t>Behavioral Assessment (20-30 minutes)</a:t>
+            </a:r>
+            <a:r>
+              <a:rPr/>
+              <a:t>: Explore the behavioral competencies crucial to the role and company culture, such as Adherence to Service Excellence (C-I-CARE), Teamwork and Collaboration, Continuous Improvement (Innovation), Professional Growth (Mentorship), and Community Building (Connection).</a:t>
+            </a:r>
+          </a:p>
+          <a:p>
+            <a:pPr lvl="0"/>
+            <a:r>
+              <a:rPr b="1"/>
+              <a:t>Practical Assignment (10-15 minutes)</a:t>
+            </a:r>
+            <a:r>
+              <a:rPr/>
+              <a:t>: Assign a relevant task or scenario to assess how the candidate applies their knowledge and skills in a practical setting.</a:t>
+            </a:r>
+          </a:p>
+          <a:p>
+            <a:pPr lvl="0"/>
+            <a:r>
+              <a:rPr b="1"/>
+              <a:t>Team Interaction (Optional, 10-15 minutes)</a:t>
+            </a:r>
+            <a:r>
+              <a:rPr/>
+              <a:t>: Assess the fit with potential teammates through a brief meet and greet or discussion if applicable.</a:t>
+            </a:r>
+          </a:p>
+          <a:p>
+            <a:pPr lvl="0"/>
+            <a:r>
+              <a:rPr b="1"/>
+              <a:t>Candidate Questions (5-10 minutes)</a:t>
+            </a:r>
+            <a:r>
+              <a:rPr/>
+              <a:t>: Allow the candidate to ask any questions they might have about the role, the team, or the organization.</a:t>
+            </a:r>
+          </a:p>
+          <a:p>
+            <a:pPr lvl="0"/>
+            <a:r>
+              <a:rPr b="1"/>
+              <a:t>Closing (5 minutes)</a:t>
+            </a:r>
+            <a:r>
+              <a:rPr/>
+              <a:t>: Briefly summarize the interview, discuss the next steps, and express appreciation for the candidate’s time and interest.</a:t>
+            </a:r>
+          </a:p>
+          <a:p>
+            <a:pPr lvl="0" indent="0" marL="0">
+              <a:buNone/>
+            </a:pPr>
+            <a:r>
+              <a:rPr/>
+              <a:t>This structure should provide a comprehensive assessment of candidate competencies in alignment with the objectives of the Medical Assistant II role at Pacific Wellness Group.</a:t>
             </a:r>
           </a:p>
         </p:txBody>
@@ -3768,12 +4841,12 @@
       </p:grpSpPr>
       <p:sp>
         <p:nvSpPr>
-          <p:cNvPr id="3" name="Content Placeholder 2"/>
-          <p:cNvSpPr>
-            <a:spLocks noGrp="1"/>
-          </p:cNvSpPr>
-          <p:nvPr>
-            <p:ph idx="1"/>
+          <p:cNvPr id="2" name="Title 1"/>
+          <p:cNvSpPr>
+            <a:spLocks noGrp="1"/>
+          </p:cNvSpPr>
+          <p:nvPr>
+            <p:ph type="title"/>
           </p:nvPr>
         </p:nvSpPr>
         <p:spPr/>
@@ -3782,342 +4855,11 @@
           <a:lstStyle/>
           <a:p>
             <a:pPr lvl="0" indent="0" marL="0">
-              <a:spcBef>
-                <a:spcPts val="3000"/>
-              </a:spcBef>
-              <a:buNone/>
-            </a:pPr>
-            <a:r>
-              <a:rPr b="1"/>
-              <a:t>Medical Assistant II</a:t>
-            </a:r>
-          </a:p>
-          <a:p>
-            <a:pPr lvl="0" indent="0" marL="0">
-              <a:spcBef>
-                <a:spcPts val="3000"/>
-              </a:spcBef>
-              <a:buNone/>
-            </a:pPr>
-            <a:r>
-              <a:rPr b="1"/>
-              <a:t>Time Type</a:t>
-            </a:r>
-          </a:p>
-          <a:p>
-            <a:pPr lvl="0"/>
-            <a:r>
-              <a:rPr/>
-              <a:t>Full time</a:t>
-            </a:r>
-          </a:p>
-          <a:p>
-            <a:pPr lvl="0" indent="0" marL="0">
-              <a:spcBef>
-                <a:spcPts val="3000"/>
-              </a:spcBef>
-              <a:buNone/>
-            </a:pPr>
-            <a:r>
-              <a:rPr b="1"/>
-              <a:t>Overview</a:t>
-            </a:r>
-          </a:p>
-          <a:p>
-            <a:pPr lvl="0" indent="0" marL="0">
-              <a:buNone/>
-            </a:pPr>
-            <a:r>
-              <a:rPr/>
-              <a:t>Join our legacy of hope and innovation at Pacific Wellness Group - Academic Healthcare Consortium. We are looking for a Medical Assistant II to be a part of our clinic patient care team, performing clinical tasks and procedures to support the delivery of care.</a:t>
-            </a:r>
-          </a:p>
-          <a:p>
-            <a:pPr lvl="0" indent="0" marL="0">
-              <a:spcBef>
-                <a:spcPts val="3000"/>
-              </a:spcBef>
-              <a:buNone/>
-            </a:pPr>
-            <a:r>
-              <a:rPr b="1"/>
-              <a:t>Day</a:t>
-            </a:r>
-          </a:p>
-          <a:p>
-            <a:pPr lvl="0"/>
-            <a:r>
-              <a:rPr/>
-              <a:t>08 Hour (United States of America)</a:t>
-            </a:r>
-          </a:p>
-          <a:p>
-            <a:pPr lvl="0" indent="0" marL="0">
-              <a:spcBef>
-                <a:spcPts val="3000"/>
-              </a:spcBef>
-              <a:buNone/>
-            </a:pPr>
-            <a:r>
-              <a:rPr b="1"/>
-              <a:t>Responsibilities</a:t>
-            </a:r>
-          </a:p>
-          <a:p>
-            <a:pPr lvl="0"/>
-            <a:r>
-              <a:rPr b="1"/>
-              <a:t>C-I-CARE Execution:</a:t>
-            </a:r>
-            <a:r>
-              <a:rPr/>
-              <a:t> Executes world-class service and patient care standards using C-I-CARE templates.</a:t>
-            </a:r>
-          </a:p>
-          <a:p>
-            <a:pPr lvl="0"/>
-            <a:r>
-              <a:rPr b="1"/>
-              <a:t>Job Scope:</a:t>
-            </a:r>
-            <a:r>
-              <a:rPr/>
-              <a:t> Includes managing patient portal messages, assisting with physician procedures, and other tasks of moderate scope.</a:t>
-            </a:r>
-          </a:p>
-          <a:p>
-            <a:pPr lvl="0"/>
-            <a:r>
-              <a:rPr b="1"/>
-              <a:t>Knowledge:</a:t>
-            </a:r>
-            <a:r>
-              <a:rPr/>
-              <a:t> Advanced understanding of job skills, policies, and procedures.</a:t>
-            </a:r>
-          </a:p>
-          <a:p>
-            <a:pPr lvl="0"/>
-            <a:r>
-              <a:rPr b="1"/>
-              <a:t>Supervision Level:</a:t>
-            </a:r>
-            <a:r>
-              <a:rPr/>
-              <a:t> Work reviewed for accuracy and complexity, with increased responsibility in the specialty area.</a:t>
-            </a:r>
-          </a:p>
-          <a:p>
-            <a:pPr lvl="0" indent="0" marL="0">
-              <a:spcBef>
-                <a:spcPts val="3000"/>
-              </a:spcBef>
-              <a:buNone/>
-            </a:pPr>
-            <a:r>
-              <a:rPr b="1"/>
-              <a:t>Education Qualifications</a:t>
-            </a:r>
-          </a:p>
-          <a:p>
-            <a:pPr lvl="0"/>
-            <a:r>
-              <a:rPr/>
-              <a:t>High School Diploma or GED required.</a:t>
-            </a:r>
-          </a:p>
-          <a:p>
-            <a:pPr lvl="0"/>
-            <a:r>
-              <a:rPr/>
-              <a:t>Medical Assistant Certificate/Diploma from an approved school/institution or equivalent training.</a:t>
-            </a:r>
-          </a:p>
-          <a:p>
-            <a:pPr lvl="0" indent="0" marL="0">
-              <a:spcBef>
-                <a:spcPts val="3000"/>
-              </a:spcBef>
-              <a:buNone/>
-            </a:pPr>
-            <a:r>
-              <a:rPr b="1"/>
-              <a:t>Experience Qualifications</a:t>
-            </a:r>
-          </a:p>
-          <a:p>
-            <a:pPr lvl="0"/>
-            <a:r>
-              <a:rPr/>
-              <a:t>One (1) to three (3) years of related experience.</a:t>
-            </a:r>
-          </a:p>
-          <a:p>
-            <a:pPr lvl="0" indent="0" marL="0">
-              <a:spcBef>
-                <a:spcPts val="3000"/>
-              </a:spcBef>
-              <a:buNone/>
-            </a:pPr>
-            <a:r>
-              <a:rPr b="1"/>
-              <a:t>Required Knowledge, Skills, and Abilities</a:t>
-            </a:r>
-          </a:p>
-          <a:p>
-            <a:pPr lvl="0"/>
-            <a:r>
-              <a:rPr/>
-              <a:t>Professional verbal and written communication skills.</a:t>
-            </a:r>
-          </a:p>
-          <a:p>
-            <a:pPr lvl="0"/>
-            <a:r>
-              <a:rPr/>
-              <a:t>Proficiency in computer skills, Microsoft Office, and electronic medical records.</a:t>
-            </a:r>
-          </a:p>
-          <a:p>
-            <a:pPr lvl="0"/>
-            <a:r>
-              <a:rPr/>
-              <a:t>Organizational and multi-tasking skills.</a:t>
-            </a:r>
-          </a:p>
-          <a:p>
-            <a:pPr lvl="0" indent="0" marL="0">
-              <a:spcBef>
-                <a:spcPts val="3000"/>
-              </a:spcBef>
-              <a:buNone/>
-            </a:pPr>
-            <a:r>
-              <a:rPr b="1"/>
-              <a:t>Licenses and Certifications</a:t>
-            </a:r>
-          </a:p>
-          <a:p>
-            <a:pPr lvl="0"/>
-            <a:r>
-              <a:rPr/>
-              <a:t>BLS - Basic Life Support required.</a:t>
-            </a:r>
-          </a:p>
-          <a:p>
-            <a:pPr lvl="0" indent="0" marL="0">
-              <a:spcBef>
-                <a:spcPts val="3000"/>
-              </a:spcBef>
-              <a:buNone/>
-            </a:pPr>
-            <a:r>
-              <a:rPr b="1"/>
-              <a:t>Physical Demands and Work Conditions</a:t>
-            </a:r>
-          </a:p>
-          <a:p>
-            <a:pPr lvl="0"/>
-            <a:r>
-              <a:rPr/>
-              <a:t>Various physical activities such as sitting, walking, standing, bending, squatting, etc.</a:t>
-            </a:r>
-          </a:p>
-          <a:p>
-            <a:pPr lvl="0"/>
-            <a:r>
-              <a:rPr/>
-              <a:t>Lifting requirements vary from 0 to 40+ lbs.</a:t>
-            </a:r>
-          </a:p>
-          <a:p>
-            <a:pPr lvl="0" indent="0" marL="0">
-              <a:spcBef>
-                <a:spcPts val="3000"/>
-              </a:spcBef>
-              <a:buNone/>
-            </a:pPr>
-            <a:r>
-              <a:rPr b="1"/>
-              <a:t>Working Environment</a:t>
-            </a:r>
-          </a:p>
-          <a:p>
-            <a:pPr lvl="0"/>
-            <a:r>
-              <a:rPr/>
-              <a:t>Frequent interaction with clinical equipment and machinery.</a:t>
-            </a:r>
-          </a:p>
-          <a:p>
-            <a:pPr lvl="0"/>
-            <a:r>
-              <a:rPr/>
-              <a:t>Work with biohazards like bloodborne pathogens.</a:t>
-            </a:r>
-          </a:p>
-          <a:p>
-            <a:pPr lvl="0"/>
-            <a:r>
-              <a:rPr/>
-              <a:t>20% travel requirement.</a:t>
-            </a:r>
-          </a:p>
-          <a:p>
-            <a:pPr lvl="0" indent="0" marL="0">
-              <a:spcBef>
-                <a:spcPts val="3000"/>
-              </a:spcBef>
-              <a:buNone/>
-            </a:pPr>
-            <a:r>
-              <a:rPr b="1"/>
-              <a:t>SHC Commitment</a:t>
-            </a:r>
-          </a:p>
-          <a:p>
-            <a:pPr lvl="0"/>
-            <a:r>
-              <a:rPr/>
-              <a:t>Providing an exceptional patient and family experience through C-I-CARE framework.</a:t>
-            </a:r>
-          </a:p>
-          <a:p>
-            <a:pPr lvl="0" indent="0" marL="0">
-              <a:spcBef>
-                <a:spcPts val="3000"/>
-              </a:spcBef>
-              <a:buNone/>
-            </a:pPr>
-            <a:r>
-              <a:rPr b="1"/>
-              <a:t>Equal Opportunity Employer</a:t>
-            </a:r>
-          </a:p>
-          <a:p>
-            <a:pPr lvl="0"/>
-            <a:r>
-              <a:rPr/>
-              <a:t>Pacific Wellness Group is an equal opportunity employer and encourages applications from all individuals regardless of race, color, sex, sexual orientation, gender identity, religion, age, national origin, political beliefs, marital status, medical condition, genetic information, veteran status, or disability.</a:t>
-            </a:r>
-          </a:p>
-          <a:p>
-            <a:pPr lvl="0" indent="0" marL="0">
-              <a:spcBef>
-                <a:spcPts val="3000"/>
-              </a:spcBef>
-              <a:buNone/>
-            </a:pPr>
-            <a:r>
-              <a:rPr b="1"/>
-              <a:t>Base Pay Scale</a:t>
-            </a:r>
-          </a:p>
-          <a:p>
-            <a:pPr lvl="0"/>
-            <a:r>
-              <a:rPr/>
-              <a:t>Generally starting at $27.47 - $35.02 per hour. Salary based on internal equity, experience, education, specialty, and training.</a:t>
+              <a:buNone/>
+            </a:pPr>
+            <a:r>
+              <a:rPr/>
+              <a:t>Job Description</a:t>
             </a:r>
           </a:p>
         </p:txBody>
@@ -4156,6 +4898,436 @@
         </p:nvSpPr>
         <p:spPr>
           <a:xfrm>
+            <a:off x="722313" y="3305176"/>
+            <a:ext cx="7772400" cy="1021556"/>
+          </a:xfrm>
+        </p:spPr>
+        <p:txBody>
+          <a:bodyPr/>
+          <a:lstStyle/>
+          <a:p>
+            <a:pPr lvl="0" indent="0" marL="0">
+              <a:buNone/>
+            </a:pPr>
+            <a:r>
+              <a:rPr/>
+              <a:t>Job Description</a:t>
+            </a:r>
+          </a:p>
+        </p:txBody>
+      </p:sp>
+    </p:spTree>
+  </p:cSld>
+</p:sld>
+</file>
+
+<file path=ppt/slides/slide6.xml><?xml version="1.0" encoding="utf-8"?>
+<p:sld xmlns:a="http://schemas.openxmlformats.org/drawingml/2006/main" xmlns:r="http://schemas.openxmlformats.org/officeDocument/2006/relationships" xmlns:p="http://schemas.openxmlformats.org/presentationml/2006/main">
+  <p:cSld>
+    <p:spTree>
+      <p:nvGrpSpPr>
+        <p:cNvPr id="1" name=""/>
+        <p:cNvGrpSpPr/>
+        <p:nvPr/>
+      </p:nvGrpSpPr>
+      <p:grpSpPr>
+        <a:xfrm>
+          <a:off x="0" y="0"/>
+          <a:ext cx="0" cy="0"/>
+          <a:chOff x="0" y="0"/>
+          <a:chExt cx="0" cy="0"/>
+        </a:xfrm>
+      </p:grpSpPr>
+      <p:sp>
+        <p:nvSpPr>
+          <p:cNvPr id="3" name="Content Placeholder 2"/>
+          <p:cNvSpPr>
+            <a:spLocks noGrp="1"/>
+          </p:cNvSpPr>
+          <p:nvPr>
+            <p:ph idx="1"/>
+          </p:nvPr>
+        </p:nvSpPr>
+        <p:spPr/>
+        <p:txBody>
+          <a:bodyPr/>
+          <a:lstStyle/>
+          <a:p>
+            <a:pPr lvl="0" indent="0" marL="0">
+              <a:spcBef>
+                <a:spcPts val="3000"/>
+              </a:spcBef>
+              <a:buNone/>
+            </a:pPr>
+            <a:r>
+              <a:rPr b="1"/>
+              <a:t>Medical Assistant II</a:t>
+            </a:r>
+          </a:p>
+          <a:p>
+            <a:pPr lvl="0" indent="0" marL="0">
+              <a:spcBef>
+                <a:spcPts val="3000"/>
+              </a:spcBef>
+              <a:buNone/>
+            </a:pPr>
+            <a:r>
+              <a:rPr b="1"/>
+              <a:t>Time Type</a:t>
+            </a:r>
+          </a:p>
+          <a:p>
+            <a:pPr lvl="0"/>
+            <a:r>
+              <a:rPr/>
+              <a:t>Full time</a:t>
+            </a:r>
+          </a:p>
+          <a:p>
+            <a:pPr lvl="0" indent="0" marL="0">
+              <a:spcBef>
+                <a:spcPts val="3000"/>
+              </a:spcBef>
+              <a:buNone/>
+            </a:pPr>
+            <a:r>
+              <a:rPr b="1"/>
+              <a:t>Overview</a:t>
+            </a:r>
+          </a:p>
+          <a:p>
+            <a:pPr lvl="0" indent="0" marL="0">
+              <a:buNone/>
+            </a:pPr>
+            <a:r>
+              <a:rPr/>
+              <a:t>Join our legacy of hope and innovation at Pacific Wellness Group - Academic Healthcare Consortium. We are looking for a Medical Assistant II to be a part of our clinic patient care team, performing clinical tasks and procedures to support the delivery of care.</a:t>
+            </a:r>
+          </a:p>
+          <a:p>
+            <a:pPr lvl="0" indent="0" marL="0">
+              <a:spcBef>
+                <a:spcPts val="3000"/>
+              </a:spcBef>
+              <a:buNone/>
+            </a:pPr>
+            <a:r>
+              <a:rPr b="1"/>
+              <a:t>Day</a:t>
+            </a:r>
+          </a:p>
+          <a:p>
+            <a:pPr lvl="0"/>
+            <a:r>
+              <a:rPr/>
+              <a:t>08 Hour (United States of America)</a:t>
+            </a:r>
+          </a:p>
+          <a:p>
+            <a:pPr lvl="0" indent="0" marL="0">
+              <a:spcBef>
+                <a:spcPts val="3000"/>
+              </a:spcBef>
+              <a:buNone/>
+            </a:pPr>
+            <a:r>
+              <a:rPr b="1"/>
+              <a:t>Responsibilities</a:t>
+            </a:r>
+          </a:p>
+          <a:p>
+            <a:pPr lvl="0"/>
+            <a:r>
+              <a:rPr b="1"/>
+              <a:t>C-I-CARE Execution:</a:t>
+            </a:r>
+            <a:r>
+              <a:rPr/>
+              <a:t> Executes world-class service and patient care standards using C-I-CARE templates.</a:t>
+            </a:r>
+          </a:p>
+          <a:p>
+            <a:pPr lvl="0"/>
+            <a:r>
+              <a:rPr b="1"/>
+              <a:t>Job Scope:</a:t>
+            </a:r>
+            <a:r>
+              <a:rPr/>
+              <a:t> Includes managing patient portal messages, assisting with physician procedures, and other tasks of moderate scope.</a:t>
+            </a:r>
+          </a:p>
+          <a:p>
+            <a:pPr lvl="0"/>
+            <a:r>
+              <a:rPr b="1"/>
+              <a:t>Knowledge:</a:t>
+            </a:r>
+            <a:r>
+              <a:rPr/>
+              <a:t> Advanced understanding of job skills, policies, and procedures.</a:t>
+            </a:r>
+          </a:p>
+          <a:p>
+            <a:pPr lvl="0"/>
+            <a:r>
+              <a:rPr b="1"/>
+              <a:t>Supervision Level:</a:t>
+            </a:r>
+            <a:r>
+              <a:rPr/>
+              <a:t> Work reviewed for accuracy and complexity, with increased responsibility in the specialty area.</a:t>
+            </a:r>
+          </a:p>
+          <a:p>
+            <a:pPr lvl="0" indent="0" marL="0">
+              <a:spcBef>
+                <a:spcPts val="3000"/>
+              </a:spcBef>
+              <a:buNone/>
+            </a:pPr>
+            <a:r>
+              <a:rPr b="1"/>
+              <a:t>Education Qualifications</a:t>
+            </a:r>
+          </a:p>
+          <a:p>
+            <a:pPr lvl="0"/>
+            <a:r>
+              <a:rPr/>
+              <a:t>High School Diploma or GED required.</a:t>
+            </a:r>
+          </a:p>
+          <a:p>
+            <a:pPr lvl="0"/>
+            <a:r>
+              <a:rPr/>
+              <a:t>Medical Assistant Certificate/Diploma from an approved school/institution or equivalent training.</a:t>
+            </a:r>
+          </a:p>
+          <a:p>
+            <a:pPr lvl="0" indent="0" marL="0">
+              <a:spcBef>
+                <a:spcPts val="3000"/>
+              </a:spcBef>
+              <a:buNone/>
+            </a:pPr>
+            <a:r>
+              <a:rPr b="1"/>
+              <a:t>Experience Qualifications</a:t>
+            </a:r>
+          </a:p>
+          <a:p>
+            <a:pPr lvl="0"/>
+            <a:r>
+              <a:rPr/>
+              <a:t>One (1) to three (3) years of related experience.</a:t>
+            </a:r>
+          </a:p>
+          <a:p>
+            <a:pPr lvl="0" indent="0" marL="0">
+              <a:spcBef>
+                <a:spcPts val="3000"/>
+              </a:spcBef>
+              <a:buNone/>
+            </a:pPr>
+            <a:r>
+              <a:rPr b="1"/>
+              <a:t>Required Knowledge, Skills, and Abilities</a:t>
+            </a:r>
+          </a:p>
+          <a:p>
+            <a:pPr lvl="0"/>
+            <a:r>
+              <a:rPr/>
+              <a:t>Professional verbal and written communication skills.</a:t>
+            </a:r>
+          </a:p>
+          <a:p>
+            <a:pPr lvl="0"/>
+            <a:r>
+              <a:rPr/>
+              <a:t>Proficiency in computer skills, Microsoft Office, and electronic medical records.</a:t>
+            </a:r>
+          </a:p>
+          <a:p>
+            <a:pPr lvl="0"/>
+            <a:r>
+              <a:rPr/>
+              <a:t>Organizational and multi-tasking skills.</a:t>
+            </a:r>
+          </a:p>
+          <a:p>
+            <a:pPr lvl="0" indent="0" marL="0">
+              <a:spcBef>
+                <a:spcPts val="3000"/>
+              </a:spcBef>
+              <a:buNone/>
+            </a:pPr>
+            <a:r>
+              <a:rPr b="1"/>
+              <a:t>Licenses and Certifications</a:t>
+            </a:r>
+          </a:p>
+          <a:p>
+            <a:pPr lvl="0"/>
+            <a:r>
+              <a:rPr/>
+              <a:t>BLS - Basic Life Support required.</a:t>
+            </a:r>
+          </a:p>
+          <a:p>
+            <a:pPr lvl="0" indent="0" marL="0">
+              <a:spcBef>
+                <a:spcPts val="3000"/>
+              </a:spcBef>
+              <a:buNone/>
+            </a:pPr>
+            <a:r>
+              <a:rPr b="1"/>
+              <a:t>Physical Demands and Work Conditions</a:t>
+            </a:r>
+          </a:p>
+          <a:p>
+            <a:pPr lvl="0"/>
+            <a:r>
+              <a:rPr/>
+              <a:t>Various physical activities such as sitting, walking, standing, bending, squatting, etc.</a:t>
+            </a:r>
+          </a:p>
+          <a:p>
+            <a:pPr lvl="0"/>
+            <a:r>
+              <a:rPr/>
+              <a:t>Lifting requirements vary from 0 to 40+ lbs.</a:t>
+            </a:r>
+          </a:p>
+          <a:p>
+            <a:pPr lvl="0" indent="0" marL="0">
+              <a:spcBef>
+                <a:spcPts val="3000"/>
+              </a:spcBef>
+              <a:buNone/>
+            </a:pPr>
+            <a:r>
+              <a:rPr b="1"/>
+              <a:t>Working Environment</a:t>
+            </a:r>
+          </a:p>
+          <a:p>
+            <a:pPr lvl="0"/>
+            <a:r>
+              <a:rPr/>
+              <a:t>Frequent interaction with clinical equipment and machinery.</a:t>
+            </a:r>
+          </a:p>
+          <a:p>
+            <a:pPr lvl="0"/>
+            <a:r>
+              <a:rPr/>
+              <a:t>Work with biohazards like bloodborne pathogens.</a:t>
+            </a:r>
+          </a:p>
+          <a:p>
+            <a:pPr lvl="0"/>
+            <a:r>
+              <a:rPr/>
+              <a:t>20% travel requirement.</a:t>
+            </a:r>
+          </a:p>
+          <a:p>
+            <a:pPr lvl="0" indent="0" marL="0">
+              <a:spcBef>
+                <a:spcPts val="3000"/>
+              </a:spcBef>
+              <a:buNone/>
+            </a:pPr>
+            <a:r>
+              <a:rPr b="1"/>
+              <a:t>SHC Commitment</a:t>
+            </a:r>
+          </a:p>
+          <a:p>
+            <a:pPr lvl="0"/>
+            <a:r>
+              <a:rPr/>
+              <a:t>Providing an exceptional patient and family experience through C-I-CARE framework.</a:t>
+            </a:r>
+          </a:p>
+          <a:p>
+            <a:pPr lvl="0" indent="0" marL="0">
+              <a:spcBef>
+                <a:spcPts val="3000"/>
+              </a:spcBef>
+              <a:buNone/>
+            </a:pPr>
+            <a:r>
+              <a:rPr b="1"/>
+              <a:t>Equal Opportunity Employer</a:t>
+            </a:r>
+          </a:p>
+          <a:p>
+            <a:pPr lvl="0"/>
+            <a:r>
+              <a:rPr/>
+              <a:t>Pacific Wellness Group is an equal opportunity employer and encourages applications from all individuals regardless of race, color, sex, sexual orientation, gender identity, religion, age, national origin, political beliefs, marital status, medical condition, genetic information, veteran status, or disability.</a:t>
+            </a:r>
+          </a:p>
+          <a:p>
+            <a:pPr lvl="0" indent="0" marL="0">
+              <a:spcBef>
+                <a:spcPts val="3000"/>
+              </a:spcBef>
+              <a:buNone/>
+            </a:pPr>
+            <a:r>
+              <a:rPr b="1"/>
+              <a:t>Base Pay Scale</a:t>
+            </a:r>
+          </a:p>
+          <a:p>
+            <a:pPr lvl="0"/>
+            <a:r>
+              <a:rPr/>
+              <a:t>Generally starting at $27.47 - $35.02 per hour. Salary based on internal equity, experience, education, specialty, and training.</a:t>
+            </a:r>
+          </a:p>
+        </p:txBody>
+      </p:sp>
+    </p:spTree>
+  </p:cSld>
+</p:sld>
+</file>
+
+<file path=ppt/slides/slide7.xml><?xml version="1.0" encoding="utf-8"?>
+<p:sld xmlns:a="http://schemas.openxmlformats.org/drawingml/2006/main" xmlns:r="http://schemas.openxmlformats.org/officeDocument/2006/relationships" xmlns:p="http://schemas.openxmlformats.org/presentationml/2006/main">
+  <p:cSld>
+    <p:spTree>
+      <p:nvGrpSpPr>
+        <p:cNvPr id="1" name=""/>
+        <p:cNvGrpSpPr/>
+        <p:nvPr/>
+      </p:nvGrpSpPr>
+      <p:grpSpPr>
+        <a:xfrm>
+          <a:off x="0" y="0"/>
+          <a:ext cx="0" cy="0"/>
+          <a:chOff x="0" y="0"/>
+          <a:chExt cx="0" cy="0"/>
+        </a:xfrm>
+      </p:grpSpPr>
+      <p:sp>
+        <p:nvSpPr>
+          <p:cNvPr id="2" name="Title 1"/>
+          <p:cNvSpPr>
+            <a:spLocks noGrp="1"/>
+          </p:cNvSpPr>
+          <p:nvPr>
+            <p:ph type="title"/>
+          </p:nvPr>
+        </p:nvSpPr>
+        <p:spPr>
+          <a:xfrm>
             <a:off x="457201" y="204787"/>
             <a:ext cx="3008313" cy="871538"/>
           </a:xfrm>
@@ -4194,7 +5366,7 @@
             </a:pPr>
             <a:r>
               <a:rPr/>
-              <a:t>The evaluation criteria for the Medical Assistant II position are centered around a comprehensive understanding of both technical and behavioral competencies. Each competency will be assessed through the interview process, with careful attention to how the candidate’s qualifications and character align with the company’s mission and values.</a:t>
+              <a:t>The evaluation of candidates for the Medical Assistant II position will be based on a structured set of criteria that reflect both technical and behavioral competencies. The following job scorecard serves as a record to assess and comment on each candidate’s qualifications throughout the interview process.</a:t>
             </a:r>
           </a:p>
         </p:txBody>
@@ -4267,7 +5439,7 @@
                       </a:pPr>
                       <a:r>
                         <a:rPr/>
-                        <a:t>Comments</a:t>
+                        <a:t>Comments by Interviewer</a:t>
                       </a:r>
                     </a:p>
                   </a:txBody>
@@ -4285,217 +5457,7 @@
                       </a:pPr>
                       <a:r>
                         <a:rPr/>
-                        <a:t>Clinical Task Proficiency</a:t>
-                      </a:r>
-                    </a:p>
-                  </a:txBody>
-                </a:tc>
-                <a:tc>
-                  <a:txBody>
-                    <a:bodyPr/>
-                    <a:lstStyle/>
-                    <a:p>
-                      <a:endParaRPr/>
-                    </a:p>
-                  </a:txBody>
-                </a:tc>
-                <a:tc>
-                  <a:txBody>
-                    <a:bodyPr/>
-                    <a:lstStyle/>
-                    <a:p>
-                      <a:endParaRPr/>
-                    </a:p>
-                  </a:txBody>
-                </a:tc>
-              </a:tr>
-              <a:tr h="0">
-                <a:tc>
-                  <a:txBody>
-                    <a:bodyPr/>
-                    <a:lstStyle/>
-                    <a:p>
-                      <a:pPr lvl="0" indent="0" marL="0">
-                        <a:buNone/>
-                      </a:pPr>
-                      <a:r>
-                        <a:rPr/>
-                        <a:t>Medical Knowledge</a:t>
-                      </a:r>
-                    </a:p>
-                  </a:txBody>
-                </a:tc>
-                <a:tc>
-                  <a:txBody>
-                    <a:bodyPr/>
-                    <a:lstStyle/>
-                    <a:p>
-                      <a:endParaRPr/>
-                    </a:p>
-                  </a:txBody>
-                </a:tc>
-                <a:tc>
-                  <a:txBody>
-                    <a:bodyPr/>
-                    <a:lstStyle/>
-                    <a:p>
-                      <a:endParaRPr/>
-                    </a:p>
-                  </a:txBody>
-                </a:tc>
-              </a:tr>
-              <a:tr h="0">
-                <a:tc>
-                  <a:txBody>
-                    <a:bodyPr/>
-                    <a:lstStyle/>
-                    <a:p>
-                      <a:pPr lvl="0" indent="0" marL="0">
-                        <a:buNone/>
-                      </a:pPr>
-                      <a:r>
-                        <a:rPr/>
-                        <a:t>EHR Management</a:t>
-                      </a:r>
-                    </a:p>
-                  </a:txBody>
-                </a:tc>
-                <a:tc>
-                  <a:txBody>
-                    <a:bodyPr/>
-                    <a:lstStyle/>
-                    <a:p>
-                      <a:endParaRPr/>
-                    </a:p>
-                  </a:txBody>
-                </a:tc>
-                <a:tc>
-                  <a:txBody>
-                    <a:bodyPr/>
-                    <a:lstStyle/>
-                    <a:p>
-                      <a:endParaRPr/>
-                    </a:p>
-                  </a:txBody>
-                </a:tc>
-              </a:tr>
-              <a:tr h="0">
-                <a:tc>
-                  <a:txBody>
-                    <a:bodyPr/>
-                    <a:lstStyle/>
-                    <a:p>
-                      <a:pPr lvl="0" indent="0" marL="0">
-                        <a:buNone/>
-                      </a:pPr>
-                      <a:r>
-                        <a:rPr/>
-                        <a:t>Technical Equipment Handling</a:t>
-                      </a:r>
-                    </a:p>
-                  </a:txBody>
-                </a:tc>
-                <a:tc>
-                  <a:txBody>
-                    <a:bodyPr/>
-                    <a:lstStyle/>
-                    <a:p>
-                      <a:endParaRPr/>
-                    </a:p>
-                  </a:txBody>
-                </a:tc>
-                <a:tc>
-                  <a:txBody>
-                    <a:bodyPr/>
-                    <a:lstStyle/>
-                    <a:p>
-                      <a:endParaRPr/>
-                    </a:p>
-                  </a:txBody>
-                </a:tc>
-              </a:tr>
-              <a:tr h="0">
-                <a:tc>
-                  <a:txBody>
-                    <a:bodyPr/>
-                    <a:lstStyle/>
-                    <a:p>
-                      <a:pPr lvl="0" indent="0" marL="0">
-                        <a:buNone/>
-                      </a:pPr>
-                      <a:r>
-                        <a:rPr/>
-                        <a:t>BLS Procedures</a:t>
-                      </a:r>
-                    </a:p>
-                  </a:txBody>
-                </a:tc>
-                <a:tc>
-                  <a:txBody>
-                    <a:bodyPr/>
-                    <a:lstStyle/>
-                    <a:p>
-                      <a:endParaRPr/>
-                    </a:p>
-                  </a:txBody>
-                </a:tc>
-                <a:tc>
-                  <a:txBody>
-                    <a:bodyPr/>
-                    <a:lstStyle/>
-                    <a:p>
-                      <a:endParaRPr/>
-                    </a:p>
-                  </a:txBody>
-                </a:tc>
-              </a:tr>
-              <a:tr h="0">
-                <a:tc>
-                  <a:txBody>
-                    <a:bodyPr/>
-                    <a:lstStyle/>
-                    <a:p>
-                      <a:pPr lvl="0" indent="0" marL="0">
-                        <a:buNone/>
-                      </a:pPr>
-                      <a:r>
-                        <a:rPr/>
-                        <a:t>Service Excellence</a:t>
-                      </a:r>
-                    </a:p>
-                  </a:txBody>
-                </a:tc>
-                <a:tc>
-                  <a:txBody>
-                    <a:bodyPr/>
-                    <a:lstStyle/>
-                    <a:p>
-                      <a:endParaRPr/>
-                    </a:p>
-                  </a:txBody>
-                </a:tc>
-                <a:tc>
-                  <a:txBody>
-                    <a:bodyPr/>
-                    <a:lstStyle/>
-                    <a:p>
-                      <a:endParaRPr/>
-                    </a:p>
-                  </a:txBody>
-                </a:tc>
-              </a:tr>
-              <a:tr h="0">
-                <a:tc>
-                  <a:txBody>
-                    <a:bodyPr/>
-                    <a:lstStyle/>
-                    <a:p>
-                      <a:pPr lvl="0" indent="0" marL="0">
-                        <a:buNone/>
-                      </a:pPr>
-                      <a:r>
-                        <a:rPr/>
-                        <a:t>Team Collaboration</a:t>
+                        <a:t>Clinical Procedures Proficiency</a:t>
                       </a:r>
                     </a:p>
                   </a:txBody>
@@ -4565,7 +5527,42 @@
                       </a:pPr>
                       <a:r>
                         <a:rPr/>
-                        <a:t>Continuous Improvement</a:t>
+                        <a:t>Health and Safety Compliance</a:t>
+                      </a:r>
+                    </a:p>
+                  </a:txBody>
+                </a:tc>
+                <a:tc>
+                  <a:txBody>
+                    <a:bodyPr/>
+                    <a:lstStyle/>
+                    <a:p>
+                      <a:endParaRPr/>
+                    </a:p>
+                  </a:txBody>
+                </a:tc>
+                <a:tc>
+                  <a:txBody>
+                    <a:bodyPr/>
+                    <a:lstStyle/>
+                    <a:p>
+                      <a:endParaRPr/>
+                    </a:p>
+                  </a:txBody>
+                </a:tc>
+              </a:tr>
+              <a:tr h="0">
+                <a:tc>
+                  <a:txBody>
+                    <a:bodyPr/>
+                    <a:lstStyle/>
+                    <a:p>
+                      <a:pPr lvl="0" indent="0" marL="0">
+                        <a:buNone/>
+                      </a:pPr>
+                      <a:r>
+                        <a:rPr/>
+                        <a:t>Computer and EMR Proficiency</a:t>
                       </a:r>
                     </a:p>
                   </a:txBody>
@@ -4635,6 +5632,181 @@
                       </a:pPr>
                       <a:r>
                         <a:rPr/>
+                        <a:t>Adherence to Service Excellence</a:t>
+                      </a:r>
+                    </a:p>
+                  </a:txBody>
+                </a:tc>
+                <a:tc>
+                  <a:txBody>
+                    <a:bodyPr/>
+                    <a:lstStyle/>
+                    <a:p>
+                      <a:endParaRPr/>
+                    </a:p>
+                  </a:txBody>
+                </a:tc>
+                <a:tc>
+                  <a:txBody>
+                    <a:bodyPr/>
+                    <a:lstStyle/>
+                    <a:p>
+                      <a:endParaRPr/>
+                    </a:p>
+                  </a:txBody>
+                </a:tc>
+              </a:tr>
+              <a:tr h="0">
+                <a:tc>
+                  <a:txBody>
+                    <a:bodyPr/>
+                    <a:lstStyle/>
+                    <a:p>
+                      <a:pPr lvl="0" indent="0" marL="0">
+                        <a:buNone/>
+                      </a:pPr>
+                      <a:r>
+                        <a:rPr/>
+                        <a:t>Teamwork and Collaboration</a:t>
+                      </a:r>
+                    </a:p>
+                  </a:txBody>
+                </a:tc>
+                <a:tc>
+                  <a:txBody>
+                    <a:bodyPr/>
+                    <a:lstStyle/>
+                    <a:p>
+                      <a:endParaRPr/>
+                    </a:p>
+                  </a:txBody>
+                </a:tc>
+                <a:tc>
+                  <a:txBody>
+                    <a:bodyPr/>
+                    <a:lstStyle/>
+                    <a:p>
+                      <a:endParaRPr/>
+                    </a:p>
+                  </a:txBody>
+                </a:tc>
+              </a:tr>
+              <a:tr h="0">
+                <a:tc>
+                  <a:txBody>
+                    <a:bodyPr/>
+                    <a:lstStyle/>
+                    <a:p>
+                      <a:pPr lvl="0" indent="0" marL="0">
+                        <a:buNone/>
+                      </a:pPr>
+                      <a:r>
+                        <a:rPr/>
+                        <a:t>Continuous Improvement</a:t>
+                      </a:r>
+                    </a:p>
+                  </a:txBody>
+                </a:tc>
+                <a:tc>
+                  <a:txBody>
+                    <a:bodyPr/>
+                    <a:lstStyle/>
+                    <a:p>
+                      <a:endParaRPr/>
+                    </a:p>
+                  </a:txBody>
+                </a:tc>
+                <a:tc>
+                  <a:txBody>
+                    <a:bodyPr/>
+                    <a:lstStyle/>
+                    <a:p>
+                      <a:endParaRPr/>
+                    </a:p>
+                  </a:txBody>
+                </a:tc>
+              </a:tr>
+              <a:tr h="0">
+                <a:tc>
+                  <a:txBody>
+                    <a:bodyPr/>
+                    <a:lstStyle/>
+                    <a:p>
+                      <a:pPr lvl="0" indent="0" marL="0">
+                        <a:buNone/>
+                      </a:pPr>
+                      <a:r>
+                        <a:rPr/>
+                        <a:t>Professional Growth</a:t>
+                      </a:r>
+                    </a:p>
+                  </a:txBody>
+                </a:tc>
+                <a:tc>
+                  <a:txBody>
+                    <a:bodyPr/>
+                    <a:lstStyle/>
+                    <a:p>
+                      <a:endParaRPr/>
+                    </a:p>
+                  </a:txBody>
+                </a:tc>
+                <a:tc>
+                  <a:txBody>
+                    <a:bodyPr/>
+                    <a:lstStyle/>
+                    <a:p>
+                      <a:endParaRPr/>
+                    </a:p>
+                  </a:txBody>
+                </a:tc>
+              </a:tr>
+              <a:tr h="0">
+                <a:tc>
+                  <a:txBody>
+                    <a:bodyPr/>
+                    <a:lstStyle/>
+                    <a:p>
+                      <a:pPr lvl="0" indent="0" marL="0">
+                        <a:buNone/>
+                      </a:pPr>
+                      <a:r>
+                        <a:rPr/>
+                        <a:t>Community Building</a:t>
+                      </a:r>
+                    </a:p>
+                  </a:txBody>
+                </a:tc>
+                <a:tc>
+                  <a:txBody>
+                    <a:bodyPr/>
+                    <a:lstStyle/>
+                    <a:p>
+                      <a:endParaRPr/>
+                    </a:p>
+                  </a:txBody>
+                </a:tc>
+                <a:tc>
+                  <a:txBody>
+                    <a:bodyPr/>
+                    <a:lstStyle/>
+                    <a:p>
+                      <a:endParaRPr/>
+                    </a:p>
+                  </a:txBody>
+                </a:tc>
+              </a:tr>
+              <a:tr h="0">
+                <a:tc>
+                  <a:txBody>
+                    <a:bodyPr/>
+                    <a:lstStyle/>
+                    <a:p>
+                      <a:pPr lvl="0" indent="0" marL="0">
+                        <a:buNone/>
+                      </a:pPr>
+                      <a:r>
+                        <a:rPr/>
                         <a:t>Practical Assignment</a:t>
                       </a:r>
                     </a:p>
@@ -4670,7 +5842,7 @@
                       </a:pPr>
                       <a:r>
                         <a:rPr/>
-                        <a:t>Team Interaction</a:t>
+                        <a:t>Team Interaction (if applicable)</a:t>
                       </a:r>
                     </a:p>
                   </a:txBody>
@@ -4703,1008 +5875,6 @@
 </p:sld>
 </file>
 
-<file path=ppt/slides/slide6.xml><?xml version="1.0" encoding="utf-8"?>
-<p:sld xmlns:a="http://schemas.openxmlformats.org/drawingml/2006/main" xmlns:r="http://schemas.openxmlformats.org/officeDocument/2006/relationships" xmlns:p="http://schemas.openxmlformats.org/presentationml/2006/main">
-  <p:cSld>
-    <p:spTree>
-      <p:nvGrpSpPr>
-        <p:cNvPr id="1" name=""/>
-        <p:cNvGrpSpPr/>
-        <p:nvPr/>
-      </p:nvGrpSpPr>
-      <p:grpSpPr>
-        <a:xfrm>
-          <a:off x="0" y="0"/>
-          <a:ext cx="0" cy="0"/>
-          <a:chOff x="0" y="0"/>
-          <a:chExt cx="0" cy="0"/>
-        </a:xfrm>
-      </p:grpSpPr>
-      <p:sp>
-        <p:nvSpPr>
-          <p:cNvPr id="3" name="Content Placeholder 2"/>
-          <p:cNvSpPr>
-            <a:spLocks noGrp="1"/>
-          </p:cNvSpPr>
-          <p:nvPr>
-            <p:ph idx="1"/>
-          </p:nvPr>
-        </p:nvSpPr>
-        <p:spPr/>
-        <p:txBody>
-          <a:bodyPr/>
-          <a:lstStyle/>
-          <a:p>
-            <a:pPr lvl="0" indent="0" marL="0">
-              <a:spcBef>
-                <a:spcPts val="3000"/>
-              </a:spcBef>
-              <a:buNone/>
-            </a:pPr>
-            <a:r>
-              <a:rPr b="1"/>
-              <a:t>Rating Guide</a:t>
-            </a:r>
-          </a:p>
-          <a:p>
-            <a:pPr lvl="0" indent="-342900" marL="342900">
-              <a:buAutoNum type="arabicPeriod"/>
-            </a:pPr>
-            <a:r>
-              <a:rPr/>
-              <a:t>Much below expectations - Needs significant improvement or not present</a:t>
-            </a:r>
-          </a:p>
-          <a:p>
-            <a:pPr lvl="0" indent="-342900" marL="342900">
-              <a:buAutoNum type="arabicPeriod"/>
-            </a:pPr>
-            <a:r>
-              <a:rPr/>
-              <a:t>Below expectations - Shows some elements of competence but lacks consistency</a:t>
-            </a:r>
-          </a:p>
-          <a:p>
-            <a:pPr lvl="0" indent="-342900" marL="342900">
-              <a:buAutoNum type="arabicPeriod"/>
-            </a:pPr>
-            <a:r>
-              <a:rPr/>
-              <a:t>Meets expectations - Satisfactory performance, consistently competent</a:t>
-            </a:r>
-          </a:p>
-          <a:p>
-            <a:pPr lvl="0" indent="-342900" marL="342900">
-              <a:buAutoNum type="arabicPeriod"/>
-            </a:pPr>
-            <a:r>
-              <a:rPr/>
-              <a:t>Exceeds expectations - Often exceeds standard and displays high levels of skill</a:t>
-            </a:r>
-          </a:p>
-          <a:p>
-            <a:pPr lvl="0" indent="-342900" marL="342900">
-              <a:buAutoNum type="arabicPeriod"/>
-            </a:pPr>
-            <a:r>
-              <a:rPr/>
-              <a:t>Far exceeds expectations - Consistently superior performance, setting a benchmark for others</a:t>
-            </a:r>
-          </a:p>
-        </p:txBody>
-      </p:sp>
-    </p:spTree>
-  </p:cSld>
-</p:sld>
-</file>
-
-<file path=ppt/slides/slide7.xml><?xml version="1.0" encoding="utf-8"?>
-<p:sld xmlns:a="http://schemas.openxmlformats.org/drawingml/2006/main" xmlns:r="http://schemas.openxmlformats.org/officeDocument/2006/relationships" xmlns:p="http://schemas.openxmlformats.org/presentationml/2006/main">
-  <p:cSld>
-    <p:spTree>
-      <p:nvGrpSpPr>
-        <p:cNvPr id="1" name=""/>
-        <p:cNvGrpSpPr/>
-        <p:nvPr/>
-      </p:nvGrpSpPr>
-      <p:grpSpPr>
-        <a:xfrm>
-          <a:off x="0" y="0"/>
-          <a:ext cx="0" cy="0"/>
-          <a:chOff x="0" y="0"/>
-          <a:chExt cx="0" cy="0"/>
-        </a:xfrm>
-      </p:grpSpPr>
-      <p:sp>
-        <p:nvSpPr>
-          <p:cNvPr id="2" name="Title 1"/>
-          <p:cNvSpPr>
-            <a:spLocks noGrp="1"/>
-          </p:cNvSpPr>
-          <p:nvPr>
-            <p:ph type="title"/>
-          </p:nvPr>
-        </p:nvSpPr>
-        <p:spPr/>
-        <p:txBody>
-          <a:bodyPr/>
-          <a:lstStyle/>
-          <a:p>
-            <a:pPr lvl="0" indent="0" marL="0">
-              <a:buNone/>
-            </a:pPr>
-            <a:r>
-              <a:rPr/>
-              <a:t>Technical Assessment</a:t>
-            </a:r>
-          </a:p>
-        </p:txBody>
-      </p:sp>
-      <p:sp>
-        <p:nvSpPr>
-          <p:cNvPr id="3" name="Content Placeholder 2"/>
-          <p:cNvSpPr>
-            <a:spLocks noGrp="1"/>
-          </p:cNvSpPr>
-          <p:nvPr>
-            <p:ph idx="1"/>
-          </p:nvPr>
-        </p:nvSpPr>
-        <p:spPr/>
-        <p:txBody>
-          <a:bodyPr/>
-          <a:lstStyle/>
-          <a:p>
-            <a:pPr lvl="0" indent="0" marL="0">
-              <a:buNone/>
-            </a:pPr>
-            <a:r>
-              <a:rPr/>
-              <a:t>For the Medical Assistant II role, the technical assessment focuses on evaluating the hands-on skills and medical knowledge that are essential to the job. The assessment will determine the candidate’s capacity to perform clinical tasks effectively and efficiently, thereby ensuring the highest quality of patient care, in alignment with Pacific Wellness Group’s mission and values.</a:t>
-            </a:r>
-          </a:p>
-          <a:p>
-            <a:pPr lvl="0" indent="0" marL="0">
-              <a:spcBef>
-                <a:spcPts val="3000"/>
-              </a:spcBef>
-              <a:buNone/>
-            </a:pPr>
-            <a:r>
-              <a:rPr b="1"/>
-              <a:t>Technical Competence 1: Clinical Task Proficiency</a:t>
-            </a:r>
-          </a:p>
-          <a:p>
-            <a:pPr lvl="0" indent="0" marL="0">
-              <a:buNone/>
-            </a:pPr>
-            <a:r>
-              <a:rPr/>
-              <a:t>Clinical Task Proficiency is crucial for a Medical Assistant II, as it involves direct patient interactions and a wide range of essential clinical tasks. This competency is fundamental to ensuring that all procedures are conducted safely and effectively, in line with the high standards of patient care expected at Pacific Wellness Group.</a:t>
-            </a:r>
-          </a:p>
-          <a:p>
-            <a:pPr lvl="0" indent="0" marL="0">
-              <a:spcBef>
-                <a:spcPts val="3000"/>
-              </a:spcBef>
-              <a:buNone/>
-            </a:pPr>
-            <a:r>
-              <a:rPr b="1"/>
-              <a:t>Lead Question</a:t>
-            </a:r>
-          </a:p>
-          <a:p>
-            <a:pPr lvl="0" indent="0" marL="1270000">
-              <a:buNone/>
-            </a:pPr>
-            <a:r>
-              <a:rPr sz="2000" b="1"/>
-              <a:t>“Walk us through the process you would follow to prepare a patient for a minor surgical procedure and how you assist during the procedure. What steps do you take to ensure the patient feels comfortable and that all safety protocols are followed?”</a:t>
-            </a:r>
-          </a:p>
-          <a:p>
-            <a:pPr lvl="0" indent="0" marL="0">
-              <a:buNone/>
-            </a:pPr>
-            <a:r>
-              <a:rPr i="1"/>
-              <a:t>Look for detail-oriented responses that demonstrate a strong grasp of procedure, patient care, and safety considerations.</a:t>
-            </a:r>
-          </a:p>
-          <a:p>
-            <a:pPr lvl="0" indent="0" marL="0">
-              <a:spcBef>
-                <a:spcPts val="3000"/>
-              </a:spcBef>
-              <a:buNone/>
-            </a:pPr>
-            <a:r>
-              <a:rPr b="1"/>
-              <a:t>Diving Deeper</a:t>
-            </a:r>
-          </a:p>
-          <a:p>
-            <a:pPr lvl="0"/>
-            <a:r>
-              <a:rPr b="1"/>
-              <a:t>Vital Signs</a:t>
-            </a:r>
-            <a:r>
-              <a:rPr/>
-              <a:t>: “Please explain how you would address discrepancies when monitoring vital signs and what your response would be to an abnormal reading.”</a:t>
-            </a:r>
-          </a:p>
-          <a:p>
-            <a:pPr lvl="0"/>
-            <a:r>
-              <a:rPr b="1"/>
-              <a:t>Patient Preparation</a:t>
-            </a:r>
-            <a:r>
-              <a:rPr/>
-              <a:t>: “Describe your approach to dealing with anxious patients during preparation.”</a:t>
-            </a:r>
-          </a:p>
-          <a:p>
-            <a:pPr lvl="0"/>
-            <a:r>
-              <a:rPr b="1"/>
-              <a:t>Procedure Assistance</a:t>
-            </a:r>
-            <a:r>
-              <a:rPr/>
-              <a:t>: “How do you manage unexpected complications during a medical procedure and assist the healthcare professional effectively?”</a:t>
-            </a:r>
-          </a:p>
-          <a:p>
-            <a:pPr lvl="0"/>
-            <a:r>
-              <a:rPr b="1"/>
-              <a:t>Infection Control</a:t>
-            </a:r>
-            <a:r>
-              <a:rPr/>
-              <a:t>: “Explain the infection control protocols you follow and why they are essential.”</a:t>
-            </a:r>
-          </a:p>
-          <a:p>
-            <a:pPr lvl="0" indent="0" marL="0">
-              <a:spcBef>
-                <a:spcPts val="3000"/>
-              </a:spcBef>
-              <a:buNone/>
-            </a:pPr>
-            <a:r>
-              <a:rPr b="1"/>
-              <a:t>Scenario</a:t>
-            </a:r>
-          </a:p>
-          <a:p>
-            <a:pPr lvl="0" indent="0" marL="0">
-              <a:buNone/>
-            </a:pPr>
-            <a:r>
-              <a:rPr/>
-              <a:t>Imagine a situation where you are prepping a patient for a routine procedure, and you notice the patient displays signs of distress and a rapid increase in heart rate. Additionally, the regular equipment you use is currently unavailable due to maintenance.</a:t>
-            </a:r>
-          </a:p>
-          <a:p>
-            <a:pPr lvl="0" indent="0" marL="0">
-              <a:buNone/>
-            </a:pPr>
-            <a:r>
-              <a:rPr i="1"/>
-              <a:t>How does the candidate prioritize patient care and safety, adapt to the lack of equipment, and demonstrate problem-solving under pressure? Look for adaptability, resourcefulness, and effective communication.</a:t>
-            </a:r>
-          </a:p>
-          <a:p>
-            <a:pPr lvl="0" indent="0" marL="0">
-              <a:spcBef>
-                <a:spcPts val="3000"/>
-              </a:spcBef>
-              <a:buNone/>
-            </a:pPr>
-            <a:r>
-              <a:rPr b="1"/>
-              <a:t>Notes</a:t>
-            </a:r>
-          </a:p>
-          <a:p>
-            <a:pPr lvl="0" indent="0" marL="0">
-              <a:buNone/>
-            </a:pPr>
-            <a:r>
-              <a:rPr/>
-              <a:t>________________________________________________________________________________________________________ ________________________________________________________________________________________________________ ________________________________________________________________________________________________________ ________________________________________________________________________________________________________ ________________________________________________________________________________________________________ ________________________________________________________________________________________________________</a:t>
-            </a:r>
-          </a:p>
-          <a:p>
-            <a:pPr lvl="0" indent="0" marL="0">
-              <a:buNone/>
-            </a:pPr>
-            <a:r>
-              <a:rPr/>
-              <a:t>Rating (1-5): __________</a:t>
-            </a:r>
-          </a:p>
-          <a:p>
-            <a:pPr lvl="0" indent="0" marL="0">
-              <a:spcBef>
-                <a:spcPts val="3000"/>
-              </a:spcBef>
-              <a:buNone/>
-            </a:pPr>
-            <a:r>
-              <a:rPr b="1"/>
-              <a:t>Technical Competence 2: Medical Knowledge</a:t>
-            </a:r>
-          </a:p>
-          <a:p>
-            <a:pPr lvl="0" indent="0" marL="0">
-              <a:buNone/>
-            </a:pPr>
-            <a:r>
-              <a:rPr/>
-              <a:t>Deep familiarity with medical terminology, patient care protocols, and procedures informs a Medical Assistant II’s ability to communicate effectively with healthcare professionals and deliver high-quality patient care, reflecting Pacific Wellness Group’s commitment to excellence and continuous improvement.</a:t>
-            </a:r>
-          </a:p>
-          <a:p>
-            <a:pPr lvl="0" indent="0" marL="0">
-              <a:spcBef>
-                <a:spcPts val="3000"/>
-              </a:spcBef>
-              <a:buNone/>
-            </a:pPr>
-            <a:r>
-              <a:rPr b="1"/>
-              <a:t>Lead Question</a:t>
-            </a:r>
-          </a:p>
-          <a:p>
-            <a:pPr lvl="0" indent="0" marL="1270000">
-              <a:buNone/>
-            </a:pPr>
-            <a:r>
-              <a:rPr sz="2000" b="1"/>
-              <a:t>“Can you describe a time when your medical knowledge significantly impacted the outcome of a patient’s care? How did you apply your understanding of patient care protocols to communicate effectively with other healthcare team members?”</a:t>
-            </a:r>
-          </a:p>
-          <a:p>
-            <a:pPr lvl="0" indent="0" marL="0">
-              <a:buNone/>
-            </a:pPr>
-            <a:r>
-              <a:rPr i="1"/>
-              <a:t>Look for instances where comprehensive medical knowledge was applied in a practical, impactful way, demonstrating both understanding and the ability to collaborate for better patient outcomes.</a:t>
-            </a:r>
-          </a:p>
-          <a:p>
-            <a:pPr lvl="0" indent="0" marL="0">
-              <a:spcBef>
-                <a:spcPts val="3000"/>
-              </a:spcBef>
-              <a:buNone/>
-            </a:pPr>
-            <a:r>
-              <a:rPr b="1"/>
-              <a:t>Diving Deeper</a:t>
-            </a:r>
-          </a:p>
-          <a:p>
-            <a:pPr lvl="0"/>
-            <a:r>
-              <a:rPr b="1"/>
-              <a:t>Medical Terminology</a:t>
-            </a:r>
-            <a:r>
-              <a:rPr/>
-              <a:t>: “Discuss how you ensure your use of medical terminology is both accurate and understandable to patients and team members.”</a:t>
-            </a:r>
-          </a:p>
-          <a:p>
-            <a:pPr lvl="0"/>
-            <a:r>
-              <a:rPr b="1"/>
-              <a:t>Patient Care Protocols</a:t>
-            </a:r>
-            <a:r>
-              <a:rPr/>
-              <a:t>: “Give an example of how you have adapted patient care protocols to address a unique patient situation.”</a:t>
-            </a:r>
-          </a:p>
-          <a:p>
-            <a:pPr lvl="0"/>
-            <a:r>
-              <a:rPr b="1"/>
-              <a:t>Procedural Knowledge</a:t>
-            </a:r>
-            <a:r>
-              <a:rPr/>
-              <a:t>: “Please explain how staying updated on the latest medical procedures helps you contribute to a patient’s treatment plan.”</a:t>
-            </a:r>
-          </a:p>
-          <a:p>
-            <a:pPr lvl="0"/>
-            <a:r>
-              <a:rPr b="1"/>
-              <a:t>Policy Adherence</a:t>
-            </a:r>
-            <a:r>
-              <a:rPr/>
-              <a:t>: “How do you balance following strict clinical policies with individualized care for patients?”</a:t>
-            </a:r>
-          </a:p>
-          <a:p>
-            <a:pPr lvl="0" indent="0" marL="0">
-              <a:spcBef>
-                <a:spcPts val="3000"/>
-              </a:spcBef>
-              <a:buNone/>
-            </a:pPr>
-            <a:r>
-              <a:rPr b="1"/>
-              <a:t>Scenario</a:t>
-            </a:r>
-          </a:p>
-          <a:p>
-            <a:pPr lvl="0" indent="0" marL="0">
-              <a:buNone/>
-            </a:pPr>
-            <a:r>
-              <a:rPr/>
-              <a:t>You are in a situation where you need to assist in a medical procedure that you are not frequently involved in. The lead physician relies on your medical terminology knowledge and understanding of the steps involved to maintain an efficient and error-free environment.</a:t>
-            </a:r>
-          </a:p>
-          <a:p>
-            <a:pPr lvl="0" indent="0" marL="0">
-              <a:buNone/>
-            </a:pPr>
-            <a:r>
-              <a:rPr i="1"/>
-              <a:t>How would the candidate ensure clarity and correctness in communications and actions throughout the procedure? Assessment should focus on medical knowledge application, adaptability, and effective teamwork.</a:t>
-            </a:r>
-          </a:p>
-          <a:p>
-            <a:pPr lvl="0" indent="0" marL="0">
-              <a:spcBef>
-                <a:spcPts val="3000"/>
-              </a:spcBef>
-              <a:buNone/>
-            </a:pPr>
-            <a:r>
-              <a:rPr b="1"/>
-              <a:t>Notes</a:t>
-            </a:r>
-          </a:p>
-          <a:p>
-            <a:pPr lvl="0" indent="0" marL="0">
-              <a:buNone/>
-            </a:pPr>
-            <a:r>
-              <a:rPr/>
-              <a:t>________________________________________________________________________________________________________ ________________________________________________________________________________________________________ ________________________________________________________________________________________________________ ________________________________________________________________________________________________________ ________________________________________________________________________________________________________ ________________________________________________________________________________________________________</a:t>
-            </a:r>
-          </a:p>
-          <a:p>
-            <a:pPr lvl="0" indent="0" marL="0">
-              <a:buNone/>
-            </a:pPr>
-            <a:r>
-              <a:rPr/>
-              <a:t>Rating (1-5): __________</a:t>
-            </a:r>
-          </a:p>
-          <a:p>
-            <a:pPr lvl="0" indent="0" marL="0">
-              <a:spcBef>
-                <a:spcPts val="3000"/>
-              </a:spcBef>
-              <a:buNone/>
-            </a:pPr>
-            <a:r>
-              <a:rPr b="1"/>
-              <a:t>Technical Competence 3: Electronic Health Record (EHR) Management</a:t>
-            </a:r>
-          </a:p>
-          <a:p>
-            <a:pPr lvl="0" indent="0" marL="0">
-              <a:buNone/>
-            </a:pPr>
-            <a:r>
-              <a:rPr/>
-              <a:t>Proficiency in EHR Management reflects a Medical Assistant II’s ability to handle patient data with accuracy and care, a critical component of modern healthcare that aligns with Pacific Wellness Group’s values of innovation and participation.</a:t>
-            </a:r>
-          </a:p>
-          <a:p>
-            <a:pPr lvl="0" indent="0" marL="0">
-              <a:spcBef>
-                <a:spcPts val="3000"/>
-              </a:spcBef>
-              <a:buNone/>
-            </a:pPr>
-            <a:r>
-              <a:rPr b="1"/>
-              <a:t>Lead Question</a:t>
-            </a:r>
-          </a:p>
-          <a:p>
-            <a:pPr lvl="0" indent="0" marL="1270000">
-              <a:buNone/>
-            </a:pPr>
-            <a:r>
-              <a:rPr sz="2000" b="1"/>
-              <a:t>“Describe your process for ensuring accuracy and security when entering patient data into an EHR system. Can you give an example where your attention to detail in EHR management made a difference in patient care or clinic operations?”</a:t>
-            </a:r>
-          </a:p>
-          <a:p>
-            <a:pPr lvl="0" indent="0" marL="0">
-              <a:buNone/>
-            </a:pPr>
-            <a:r>
-              <a:rPr i="1"/>
-              <a:t>Look for a systematic approach to data management and examples of problem-solving that safeguard patient confidentiality and promote data integrity.</a:t>
-            </a:r>
-          </a:p>
-          <a:p>
-            <a:pPr lvl="0" indent="0" marL="0">
-              <a:spcBef>
-                <a:spcPts val="3000"/>
-              </a:spcBef>
-              <a:buNone/>
-            </a:pPr>
-            <a:r>
-              <a:rPr b="1"/>
-              <a:t>Diving Deeper</a:t>
-            </a:r>
-          </a:p>
-          <a:p>
-            <a:pPr lvl="0"/>
-            <a:r>
-              <a:rPr b="1"/>
-              <a:t>Data Entry</a:t>
-            </a:r>
-            <a:r>
-              <a:rPr/>
-              <a:t>: “What steps do you take to verify the information before updating it into the patient’s record?”</a:t>
-            </a:r>
-          </a:p>
-          <a:p>
-            <a:pPr lvl="0"/>
-            <a:r>
-              <a:rPr b="1"/>
-              <a:t>Patient Communication</a:t>
-            </a:r>
-            <a:r>
-              <a:rPr/>
-              <a:t>: “How do you manage and prioritize patient message responses through the EHR portal?”</a:t>
-            </a:r>
-          </a:p>
-          <a:p>
-            <a:pPr lvl="0"/>
-            <a:r>
-              <a:rPr b="1"/>
-              <a:t>Information Security</a:t>
-            </a:r>
-            <a:r>
-              <a:rPr/>
-              <a:t>: “Describe a time when you identified a potential security threat in EHR management and the action you took.”</a:t>
-            </a:r>
-          </a:p>
-          <a:p>
-            <a:pPr lvl="0"/>
-            <a:r>
-              <a:rPr b="1"/>
-              <a:t>Efficiency</a:t>
-            </a:r>
-            <a:r>
-              <a:rPr/>
-              <a:t>: “Discuss a situation where you improved the efficiency of EHR management without compromising data integrity or security.”</a:t>
-            </a:r>
-          </a:p>
-          <a:p>
-            <a:pPr lvl="0" indent="0" marL="0">
-              <a:spcBef>
-                <a:spcPts val="3000"/>
-              </a:spcBef>
-              <a:buNone/>
-            </a:pPr>
-            <a:r>
-              <a:rPr b="1"/>
-              <a:t>Scenario</a:t>
-            </a:r>
-          </a:p>
-          <a:p>
-            <a:pPr lvl="0" indent="0" marL="0">
-              <a:buNone/>
-            </a:pPr>
-            <a:r>
-              <a:rPr/>
-              <a:t>You are tasked with managing a high volume of patient records during a clinic’s transition to a new EHR system. The process must be completed within a tight deadline, and you must also maintain ongoing communication with patients through the portal.</a:t>
-            </a:r>
-          </a:p>
-          <a:p>
-            <a:pPr lvl="0" indent="0" marL="0">
-              <a:buNone/>
-            </a:pPr>
-            <a:r>
-              <a:rPr i="1"/>
-              <a:t>How does the candidate demonstrate effective prioritization and management skills in a high-pressure situation while maintaining the accuracy of data entry? Look for approaches that showcase efficiency, meticulous attention to detail, and adaptability.</a:t>
-            </a:r>
-          </a:p>
-          <a:p>
-            <a:pPr lvl="0" indent="0" marL="0">
-              <a:spcBef>
-                <a:spcPts val="3000"/>
-              </a:spcBef>
-              <a:buNone/>
-            </a:pPr>
-            <a:r>
-              <a:rPr b="1"/>
-              <a:t>Notes</a:t>
-            </a:r>
-          </a:p>
-          <a:p>
-            <a:pPr lvl="0" indent="0" marL="0">
-              <a:buNone/>
-            </a:pPr>
-            <a:r>
-              <a:rPr/>
-              <a:t>________________________________________________________________________________________________________ ________________________________________________________________________________________________________ ________________________________________________________________________________________________________ ________________________________________________________________________________________________________ ________________________________________________________________________________________________________ ________________________________________________________________________________________________________</a:t>
-            </a:r>
-          </a:p>
-          <a:p>
-            <a:pPr lvl="0" indent="0" marL="0">
-              <a:buNone/>
-            </a:pPr>
-            <a:r>
-              <a:rPr/>
-              <a:t>Rating (1-5): __________</a:t>
-            </a:r>
-          </a:p>
-          <a:p>
-            <a:pPr lvl="0" indent="0" marL="0">
-              <a:spcBef>
-                <a:spcPts val="3000"/>
-              </a:spcBef>
-              <a:buNone/>
-            </a:pPr>
-            <a:r>
-              <a:rPr b="1"/>
-              <a:t>Technical Competence 4: Technical Equipment Handling</a:t>
-            </a:r>
-          </a:p>
-          <a:p>
-            <a:pPr lvl="0" indent="0" marL="0">
-              <a:buNone/>
-            </a:pPr>
-            <a:r>
-              <a:rPr/>
-              <a:t>The ability to handle technical equipment with proficiency underscores a Medical Assistant II’s role in ensuring operational excellence and patient safety, in line with Pacific Wellness Group’s commitment to innovation and quality care.</a:t>
-            </a:r>
-          </a:p>
-          <a:p>
-            <a:pPr lvl="0" indent="0" marL="0">
-              <a:spcBef>
-                <a:spcPts val="3000"/>
-              </a:spcBef>
-              <a:buNone/>
-            </a:pPr>
-            <a:r>
-              <a:rPr b="1"/>
-              <a:t>Lead Question</a:t>
-            </a:r>
-          </a:p>
-          <a:p>
-            <a:pPr lvl="0" indent="0" marL="1270000">
-              <a:buNone/>
-            </a:pPr>
-            <a:r>
-              <a:rPr sz="2000" b="1"/>
-              <a:t>“In a clinical setting, you are often required to operate and maintain a range of technical equipment. Please describe the process you follow for the regular maintenance and operation of a piece of equipment you are familiar with.”</a:t>
-            </a:r>
-          </a:p>
-          <a:p>
-            <a:pPr lvl="0" indent="0" marL="0">
-              <a:buNone/>
-            </a:pPr>
-            <a:r>
-              <a:rPr i="1"/>
-              <a:t>Look for a detailed understanding of the equipment’s operation and maintenance, as well as adherence to safety standards.</a:t>
-            </a:r>
-          </a:p>
-          <a:p>
-            <a:pPr lvl="0" indent="0" marL="0">
-              <a:spcBef>
-                <a:spcPts val="3000"/>
-              </a:spcBef>
-              <a:buNone/>
-            </a:pPr>
-            <a:r>
-              <a:rPr b="1"/>
-              <a:t>Diving Deeper</a:t>
-            </a:r>
-          </a:p>
-          <a:p>
-            <a:pPr lvl="0"/>
-            <a:r>
-              <a:rPr b="1"/>
-              <a:t>Equipment Operation</a:t>
-            </a:r>
-            <a:r>
-              <a:rPr/>
-              <a:t>: “Please give examples of medical equipment you are experienced with and the training you underwent to operate them proficiently.”</a:t>
-            </a:r>
-          </a:p>
-          <a:p>
-            <a:pPr lvl="0"/>
-            <a:r>
-              <a:rPr b="1"/>
-              <a:t>Maintenance</a:t>
-            </a:r>
-            <a:r>
-              <a:rPr/>
-              <a:t>: “How do you ensure the equipment you are responsible for is always functioning properly and ready for use?”</a:t>
-            </a:r>
-          </a:p>
-          <a:p>
-            <a:pPr lvl="0"/>
-            <a:r>
-              <a:rPr b="1"/>
-              <a:t>Troubleshooting</a:t>
-            </a:r>
-            <a:r>
-              <a:rPr/>
-              <a:t>: “Describe a time when you encountered a technical issue with a piece of equipment and how you resolved it.”</a:t>
-            </a:r>
-          </a:p>
-          <a:p>
-            <a:pPr lvl="0"/>
-            <a:r>
-              <a:rPr b="1"/>
-              <a:t>Safety Procedures</a:t>
-            </a:r>
-            <a:r>
-              <a:rPr/>
-              <a:t>: “Can you explain the safety procedures you follow when operating any kind of clinical equipment?”</a:t>
-            </a:r>
-          </a:p>
-          <a:p>
-            <a:pPr lvl="0" indent="0" marL="0">
-              <a:spcBef>
-                <a:spcPts val="3000"/>
-              </a:spcBef>
-              <a:buNone/>
-            </a:pPr>
-            <a:r>
-              <a:rPr b="1"/>
-              <a:t>Scenario</a:t>
-            </a:r>
-          </a:p>
-          <a:p>
-            <a:pPr lvl="0" indent="0" marL="0">
-              <a:buNone/>
-            </a:pPr>
-            <a:r>
-              <a:rPr/>
-              <a:t>You are in the middle of a busy day at the clinic when a crucial piece of equipment fails. There’s no immediate technical support available, and you need to find a solution to avoid delaying patient care.</a:t>
-            </a:r>
-          </a:p>
-          <a:p>
-            <a:pPr lvl="0" indent="0" marL="0">
-              <a:buNone/>
-            </a:pPr>
-            <a:r>
-              <a:rPr i="1"/>
-              <a:t>How does the candidate handle such a situation, ensuring minimal disruption to the clinic’s operations while maintaining safety standards and quality care? Look for resourcefulness, problem-solving abilities, and the capability to ensure continuous patient care.</a:t>
-            </a:r>
-          </a:p>
-          <a:p>
-            <a:pPr lvl="0" indent="0" marL="0">
-              <a:spcBef>
-                <a:spcPts val="3000"/>
-              </a:spcBef>
-              <a:buNone/>
-            </a:pPr>
-            <a:r>
-              <a:rPr b="1"/>
-              <a:t>Notes</a:t>
-            </a:r>
-          </a:p>
-          <a:p>
-            <a:pPr lvl="0" indent="0" marL="0">
-              <a:buNone/>
-            </a:pPr>
-            <a:r>
-              <a:rPr/>
-              <a:t>________________________________________________________________________________________________________ ________________________________________________________________________________________________________ ________________________________________________________________________________________________________ ________________________________________________________________________________________________________ ________________________________________________________________________________________________________ ________________________________________________________________________________________________________</a:t>
-            </a:r>
-          </a:p>
-          <a:p>
-            <a:pPr lvl="0" indent="0" marL="0">
-              <a:buNone/>
-            </a:pPr>
-            <a:r>
-              <a:rPr/>
-              <a:t>Rating (1-5): __________</a:t>
-            </a:r>
-          </a:p>
-          <a:p>
-            <a:pPr lvl="0" indent="0" marL="0">
-              <a:spcBef>
-                <a:spcPts val="3000"/>
-              </a:spcBef>
-              <a:buNone/>
-            </a:pPr>
-            <a:r>
-              <a:rPr b="1"/>
-              <a:t>Technical Competence 5: BLS Procedures</a:t>
-            </a:r>
-          </a:p>
-          <a:p>
-            <a:pPr lvl="0" indent="0" marL="0">
-              <a:buNone/>
-            </a:pPr>
-            <a:r>
-              <a:rPr/>
-              <a:t>Mastery of Basic Life Support (BLS) procedures is a vital skill for a Medical Assistant II, aligned with Pacific Wellness Group’s values of action and participation, to provide immediate care in life-threatening situations.</a:t>
-            </a:r>
-          </a:p>
-          <a:p>
-            <a:pPr lvl="0" indent="0" marL="0">
-              <a:spcBef>
-                <a:spcPts val="3000"/>
-              </a:spcBef>
-              <a:buNone/>
-            </a:pPr>
-            <a:r>
-              <a:rPr b="1"/>
-              <a:t>Lead Question</a:t>
-            </a:r>
-          </a:p>
-          <a:p>
-            <a:pPr lvl="0" indent="0" marL="1270000">
-              <a:buNone/>
-            </a:pPr>
-            <a:r>
-              <a:rPr sz="2000" b="1"/>
-              <a:t>“Tell us about a time when you had to use your BLS training in a real-life scenario. What actions did you take, and how did you ensure the safety and well-being of the patient and others present?”</a:t>
-            </a:r>
-          </a:p>
-          <a:p>
-            <a:pPr lvl="0" indent="0" marL="0">
-              <a:buNone/>
-            </a:pPr>
-            <a:r>
-              <a:rPr i="1"/>
-              <a:t>Look for examples of quick decision-making, practical application of BLS skills, and the impact of such actions on the patient’s outcome.</a:t>
-            </a:r>
-          </a:p>
-          <a:p>
-            <a:pPr lvl="0" indent="0" marL="0">
-              <a:spcBef>
-                <a:spcPts val="3000"/>
-              </a:spcBef>
-              <a:buNone/>
-            </a:pPr>
-            <a:r>
-              <a:rPr b="1"/>
-              <a:t>Diving Deeper</a:t>
-            </a:r>
-          </a:p>
-          <a:p>
-            <a:pPr lvl="0"/>
-            <a:r>
-              <a:rPr b="1"/>
-              <a:t>CPR Certification</a:t>
-            </a:r>
-            <a:r>
-              <a:rPr/>
-              <a:t>: “How do you keep your CPR certification current, and what additional steps do you take to ensure you’re prepared for an emergency?”</a:t>
-            </a:r>
-          </a:p>
-          <a:p>
-            <a:pPr lvl="0"/>
-            <a:r>
-              <a:rPr b="1"/>
-              <a:t>Emergency Response</a:t>
-            </a:r>
-            <a:r>
-              <a:rPr/>
-              <a:t>: “Explain the steps you would take if you were the first to respond to a patient in cardiac arrest in the clinic.”</a:t>
-            </a:r>
-          </a:p>
-          <a:p>
-            <a:pPr lvl="0"/>
-            <a:r>
-              <a:rPr b="1"/>
-              <a:t>AED Usage</a:t>
-            </a:r>
-            <a:r>
-              <a:rPr/>
-              <a:t>: “Describe your experience with using an Automated External Defibrillator (AED) during an emergency situation.”</a:t>
-            </a:r>
-          </a:p>
-          <a:p>
-            <a:pPr lvl="0"/>
-            <a:r>
-              <a:rPr b="1"/>
-              <a:t>First Aid</a:t>
-            </a:r>
-            <a:r>
-              <a:rPr/>
-              <a:t>: “Can you give an example of a time when you provided effective first aid treatment before further medical help was available?”</a:t>
-            </a:r>
-          </a:p>
-          <a:p>
-            <a:pPr lvl="0" indent="0" marL="0">
-              <a:spcBef>
-                <a:spcPts val="3000"/>
-              </a:spcBef>
-              <a:buNone/>
-            </a:pPr>
-            <a:r>
-              <a:rPr b="1"/>
-              <a:t>Scenario</a:t>
-            </a:r>
-          </a:p>
-          <a:p>
-            <a:pPr lvl="0" indent="0" marL="0">
-              <a:buNone/>
-            </a:pPr>
-            <a:r>
-              <a:rPr/>
-              <a:t>You notice a fellow Medical Assistant suddenly collapse in the break room during your lunch. You quickly determine they are unresponsive and not breathing normally.</a:t>
-            </a:r>
-          </a:p>
-          <a:p>
-            <a:pPr lvl="0" indent="0" marL="0">
-              <a:buNone/>
-            </a:pPr>
-            <a:r>
-              <a:rPr i="1"/>
-              <a:t>How does the candidate react to this critical situation? Look for composed execution of BLS procedures and the ability to communicate effectively with the emergency response team.</a:t>
-            </a:r>
-          </a:p>
-          <a:p>
-            <a:pPr lvl="0" indent="0" marL="0">
-              <a:spcBef>
-                <a:spcPts val="3000"/>
-              </a:spcBef>
-              <a:buNone/>
-            </a:pPr>
-            <a:r>
-              <a:rPr b="1"/>
-              <a:t>Notes</a:t>
-            </a:r>
-          </a:p>
-          <a:p>
-            <a:pPr lvl="0" indent="0" marL="0">
-              <a:buNone/>
-            </a:pPr>
-            <a:r>
-              <a:rPr/>
-              <a:t>________________________________________________________________________________________________________ ________________________________________________________________________________________________________ ________________________________________________________________________________________________________ ________________________________________________________________________________________________________ ________________________________________________________________________________________________________ ________________________________________________________________________________________________________</a:t>
-            </a:r>
-          </a:p>
-          <a:p>
-            <a:pPr lvl="0" indent="0" marL="0">
-              <a:buNone/>
-            </a:pPr>
-            <a:r>
-              <a:rPr/>
-              <a:t>Rating (1-5): __________</a:t>
-            </a:r>
-          </a:p>
-        </p:txBody>
-      </p:sp>
-    </p:spTree>
-  </p:cSld>
-</p:sld>
-</file>
-
 <file path=ppt/slides/slide8.xml><?xml version="1.0" encoding="utf-8"?>
 <p:sld xmlns:a="http://schemas.openxmlformats.org/drawingml/2006/main" xmlns:r="http://schemas.openxmlformats.org/officeDocument/2006/relationships" xmlns:p="http://schemas.openxmlformats.org/presentationml/2006/main">
   <p:cSld>
@@ -5724,12 +5894,12 @@
       </p:grpSpPr>
       <p:sp>
         <p:nvSpPr>
-          <p:cNvPr id="2" name="Title 1"/>
-          <p:cNvSpPr>
-            <a:spLocks noGrp="1"/>
-          </p:cNvSpPr>
-          <p:nvPr>
-            <p:ph type="title"/>
+          <p:cNvPr id="3" name="Content Placeholder 2"/>
+          <p:cNvSpPr>
+            <a:spLocks noGrp="1"/>
+          </p:cNvSpPr>
+          <p:nvPr>
+            <p:ph idx="1"/>
           </p:nvPr>
         </p:nvSpPr>
         <p:spPr/>
@@ -5742,867 +5912,16 @@
             </a:pPr>
             <a:r>
               <a:rPr/>
-              <a:t>Behavioral Assessment</a:t>
-            </a:r>
-          </a:p>
-        </p:txBody>
-      </p:sp>
-      <p:sp>
-        <p:nvSpPr>
-          <p:cNvPr id="3" name="Content Placeholder 2"/>
-          <p:cNvSpPr>
-            <a:spLocks noGrp="1"/>
-          </p:cNvSpPr>
-          <p:nvPr>
-            <p:ph idx="1"/>
-          </p:nvPr>
-        </p:nvSpPr>
-        <p:spPr/>
-        <p:txBody>
-          <a:bodyPr/>
-          <a:lstStyle/>
-          <a:p>
-            <a:pPr lvl="0" indent="0" marL="0">
-              <a:buNone/>
-            </a:pPr>
-            <a:r>
-              <a:rPr/>
-              <a:t>In assessing behavioral competencies for the Medical Assistant II role, we seek to understand how candidates exhibit their professional behaviors in various situations. This assessment helps in determining their alignment with Pacific Wellness Group’s values and their potential to contribute positively to the working environment and patient care.</a:t>
-            </a:r>
-          </a:p>
-          <a:p>
-            <a:pPr lvl="0" indent="0" marL="0">
-              <a:spcBef>
-                <a:spcPts val="3000"/>
-              </a:spcBef>
-              <a:buNone/>
-            </a:pPr>
-            <a:r>
-              <a:rPr b="1"/>
-              <a:t>Behavioral Competence 1: Service Excellence</a:t>
-            </a:r>
-          </a:p>
-          <a:p>
-            <a:pPr lvl="0" indent="0" marL="0">
-              <a:buNone/>
-            </a:pPr>
-            <a:r>
-              <a:rPr/>
-              <a:t>Service Excellence is about providing exceptional care and service, reflecting the caring and patient-centered ethos of Pacific Wellness Group.</a:t>
-            </a:r>
-          </a:p>
-          <a:p>
-            <a:pPr lvl="0" indent="0" marL="0">
-              <a:spcBef>
-                <a:spcPts val="3000"/>
-              </a:spcBef>
-              <a:buNone/>
-            </a:pPr>
-            <a:r>
-              <a:rPr b="1"/>
-              <a:t>Lead Question</a:t>
-            </a:r>
-          </a:p>
-          <a:p>
-            <a:pPr lvl="0" indent="0" marL="1270000">
-              <a:buNone/>
-            </a:pPr>
-            <a:r>
-              <a:rPr sz="2000" b="1"/>
-              <a:t>“Provide an example of a time when you went above and beyond for a patient. What was the situation, and why did you go the extra mile?”</a:t>
-            </a:r>
-          </a:p>
-          <a:p>
-            <a:pPr lvl="0" indent="0" marL="0">
-              <a:buNone/>
-            </a:pPr>
-            <a:r>
-              <a:rPr i="1"/>
-              <a:t>Look for instances where the candidate demonstrates a genuine commitment to patient care and the ability to embody the company’s C-I-CARE values.</a:t>
-            </a:r>
-          </a:p>
-          <a:p>
-            <a:pPr lvl="0" indent="0" marL="0">
-              <a:spcBef>
-                <a:spcPts val="3000"/>
-              </a:spcBef>
-              <a:buNone/>
-            </a:pPr>
-            <a:r>
-              <a:rPr b="1"/>
-              <a:t>Diving Deeper</a:t>
-            </a:r>
-          </a:p>
-          <a:p>
-            <a:pPr lvl="0"/>
-            <a:r>
-              <a:rPr b="1"/>
-              <a:t>Patient Interaction</a:t>
-            </a:r>
-            <a:r>
-              <a:rPr/>
-              <a:t>: “Tell me about a time when you had to manage a difficult patient situation and how you resolved it while maintaining a high level of service.”</a:t>
-            </a:r>
-          </a:p>
-          <a:p>
-            <a:pPr lvl="0"/>
-            <a:r>
-              <a:rPr b="1"/>
-              <a:t>Service Standards</a:t>
-            </a:r>
-            <a:r>
-              <a:rPr/>
-              <a:t>: “How do you ensure that every patient you interact with receives care that aligns with our C-I-CARE values?”</a:t>
-            </a:r>
-          </a:p>
-          <a:p>
-            <a:pPr lvl="0"/>
-            <a:r>
-              <a:rPr b="1"/>
-              <a:t>Responsiveness</a:t>
-            </a:r>
-            <a:r>
-              <a:rPr/>
-              <a:t>: “Describe a scenario where you had to respond quickly to a patient’s needs. What actions did you take, and what was the outcome?”</a:t>
-            </a:r>
-          </a:p>
-          <a:p>
-            <a:pPr lvl="0"/>
-            <a:r>
-              <a:rPr b="1"/>
-              <a:t>Feedback Incorporation</a:t>
-            </a:r>
-            <a:r>
-              <a:rPr/>
-              <a:t>: “How do you use patient or peer feedback to improve your level of service?”</a:t>
-            </a:r>
-          </a:p>
-          <a:p>
-            <a:pPr lvl="0" indent="0" marL="0">
-              <a:spcBef>
-                <a:spcPts val="3000"/>
-              </a:spcBef>
-              <a:buNone/>
-            </a:pPr>
-            <a:r>
-              <a:rPr b="1"/>
-              <a:t>Scenario</a:t>
-            </a:r>
-          </a:p>
-          <a:p>
-            <a:pPr lvl="0" indent="0" marL="0">
-              <a:buNone/>
-            </a:pPr>
-            <a:r>
-              <a:rPr/>
-              <a:t>Imagine you are the only Medical Assistant available when several patients in the waiting room become agitated due to longer than usual wait times.</a:t>
-            </a:r>
-          </a:p>
-          <a:p>
-            <a:pPr lvl="0" indent="0" marL="0">
-              <a:buNone/>
-            </a:pPr>
-            <a:r>
-              <a:rPr i="1"/>
-              <a:t>How does the candidate handle the situation to de-escalate tension, ensure patient satisfaction, and maintain high service standards? Look for communication skills, empathy, problem-solving, and an ability to incorporate feedback effectively.</a:t>
-            </a:r>
-          </a:p>
-          <a:p>
-            <a:pPr lvl="0" indent="0" marL="0">
-              <a:spcBef>
-                <a:spcPts val="3000"/>
-              </a:spcBef>
-              <a:buNone/>
-            </a:pPr>
-            <a:r>
-              <a:rPr b="1"/>
-              <a:t>Notes</a:t>
-            </a:r>
-          </a:p>
-          <a:p>
-            <a:pPr lvl="0" indent="0" marL="0">
-              <a:buNone/>
-            </a:pPr>
-            <a:r>
-              <a:rPr/>
-              <a:t>________________________________________________________________________________________________________ ________________________________________________________________________________________________________ ________________________________________________________________________________________________________ ________________________________________________________________________________________________________ ________________________________________________________________________________________________________ ________________________________________________________________________________________________________</a:t>
-            </a:r>
-          </a:p>
-          <a:p>
-            <a:pPr lvl="0" indent="0" marL="0">
-              <a:buNone/>
-            </a:pPr>
-            <a:r>
-              <a:rPr/>
-              <a:t>Rating (1-5): __________</a:t>
-            </a:r>
-          </a:p>
-          <a:p>
-            <a:pPr lvl="0" indent="0" marL="0">
-              <a:spcBef>
-                <a:spcPts val="3000"/>
-              </a:spcBef>
-              <a:buNone/>
-            </a:pPr>
-            <a:r>
-              <a:rPr b="1"/>
-              <a:t>Behavioral Competence 2: Team Collaboration</a:t>
-            </a:r>
-          </a:p>
-          <a:p>
-            <a:pPr lvl="0" indent="0" marL="0">
-              <a:buNone/>
-            </a:pPr>
-            <a:r>
-              <a:rPr/>
-              <a:t>Effective Team Collaboration is essential to provide comprehensive care, aligning with Pacific Wellness Group’s value of teamwork which emphasizes the importance of unity and cooperation among staff.</a:t>
-            </a:r>
-          </a:p>
-          <a:p>
-            <a:pPr lvl="0" indent="0" marL="0">
-              <a:spcBef>
-                <a:spcPts val="3000"/>
-              </a:spcBef>
-              <a:buNone/>
-            </a:pPr>
-            <a:r>
-              <a:rPr b="1"/>
-              <a:t>Lead Question</a:t>
-            </a:r>
-          </a:p>
-          <a:p>
-            <a:pPr lvl="0" indent="0" marL="1270000">
-              <a:buNone/>
-            </a:pPr>
-            <a:r>
-              <a:rPr sz="2000" b="1"/>
-              <a:t>“Can you talk about a time when you had to collaborate with a team under challenging circumstances? What role did you play, and what was the outcome?”</a:t>
-            </a:r>
-          </a:p>
-          <a:p>
-            <a:pPr lvl="0" indent="0" marL="0">
-              <a:buNone/>
-            </a:pPr>
-            <a:r>
-              <a:rPr i="1"/>
-              <a:t>Look for responses that reflect the candidate’s ability to work cohesively with others, navigate difficulties, and contribute to positive team dynamics.</a:t>
-            </a:r>
-          </a:p>
-          <a:p>
-            <a:pPr lvl="0" indent="0" marL="0">
-              <a:spcBef>
-                <a:spcPts val="3000"/>
-              </a:spcBef>
-              <a:buNone/>
-            </a:pPr>
-            <a:r>
-              <a:rPr b="1"/>
-              <a:t>Diving Deeper</a:t>
-            </a:r>
-          </a:p>
-          <a:p>
-            <a:pPr lvl="0"/>
-            <a:r>
-              <a:rPr b="1"/>
-              <a:t>Cross-Departmental Coordination</a:t>
-            </a:r>
-            <a:r>
-              <a:rPr/>
-              <a:t>: “Describe an instance where you had to coordinate with another department to solve a patient care issue.”</a:t>
-            </a:r>
-          </a:p>
-          <a:p>
-            <a:pPr lvl="0"/>
-            <a:r>
-              <a:rPr b="1"/>
-              <a:t>Conflict Resolution</a:t>
-            </a:r>
-            <a:r>
-              <a:rPr/>
-              <a:t>: “Explain your approach to resolving disagreements within the team.”</a:t>
-            </a:r>
-          </a:p>
-          <a:p>
-            <a:pPr lvl="0"/>
-            <a:r>
-              <a:rPr b="1"/>
-              <a:t>Shared Learning</a:t>
-            </a:r>
-            <a:r>
-              <a:rPr/>
-              <a:t>: “Provide an example of when you learned something valuable from a team member and how it improved your work.”</a:t>
-            </a:r>
-          </a:p>
-          <a:p>
-            <a:pPr lvl="0"/>
-            <a:r>
-              <a:rPr b="1"/>
-              <a:t>Supportive Engagement</a:t>
-            </a:r>
-            <a:r>
-              <a:rPr/>
-              <a:t>: “Tell us about a time when you supported a colleague who was struggling with their workload.”</a:t>
-            </a:r>
-          </a:p>
-          <a:p>
-            <a:pPr lvl="0" indent="0" marL="0">
-              <a:spcBef>
-                <a:spcPts val="3000"/>
-              </a:spcBef>
-              <a:buNone/>
-            </a:pPr>
-            <a:r>
-              <a:rPr b="1"/>
-              <a:t>Scenario</a:t>
-            </a:r>
-          </a:p>
-          <a:p>
-            <a:pPr lvl="0" indent="0" marL="0">
-              <a:buNone/>
-            </a:pPr>
-            <a:r>
-              <a:rPr/>
-              <a:t>During a particularly busy day at the clinic, you notice tension rising among team members due to the stressful workload, which could potentially impact patient care.</a:t>
-            </a:r>
-          </a:p>
-          <a:p>
-            <a:pPr lvl="0" indent="0" marL="0">
-              <a:buNone/>
-            </a:pPr>
-            <a:r>
-              <a:rPr i="1"/>
-              <a:t>How does the candidate facilitate teamwork and manage conflict to maintain a harmonious and effective work environment? Look for examples of leadership, empathy, and conflict resolution skills.</a:t>
-            </a:r>
-          </a:p>
-          <a:p>
-            <a:pPr lvl="0" indent="0" marL="0">
-              <a:spcBef>
-                <a:spcPts val="3000"/>
-              </a:spcBef>
-              <a:buNone/>
-            </a:pPr>
-            <a:r>
-              <a:rPr b="1"/>
-              <a:t>Notes</a:t>
-            </a:r>
-          </a:p>
-          <a:p>
-            <a:pPr lvl="0" indent="0" marL="0">
-              <a:buNone/>
-            </a:pPr>
-            <a:r>
-              <a:rPr/>
-              <a:t>________________________________________________________________________________________________________ ________________________________________________________________________________________________________ ________________________________________________________________________________________________________ ________________________________________________________________________________________________________ ________________________________________________________________________________________________________ ________________________________________________________________________________________________________</a:t>
-            </a:r>
-          </a:p>
-          <a:p>
-            <a:pPr lvl="0" indent="0" marL="0">
-              <a:buNone/>
-            </a:pPr>
-            <a:r>
-              <a:rPr/>
-              <a:t>Rating (1-5): __________</a:t>
-            </a:r>
-          </a:p>
-          <a:p>
-            <a:pPr lvl="0" indent="0" marL="0">
-              <a:spcBef>
-                <a:spcPts val="3000"/>
-              </a:spcBef>
-              <a:buNone/>
-            </a:pPr>
-            <a:r>
-              <a:rPr b="1"/>
-              <a:t>Behavioral Competence 3: Communication Skills</a:t>
-            </a:r>
-          </a:p>
-          <a:p>
-            <a:pPr lvl="0" indent="0" marL="0">
-              <a:buNone/>
-            </a:pPr>
-            <a:r>
-              <a:rPr/>
-              <a:t>Strong Communication Skills are vital for effective patient engagement and collaboration with healthcare teams, reflecting Pacific Wellness Group’s commitment to providing a clear, compassionate, and professional exchange of information.</a:t>
-            </a:r>
-          </a:p>
-          <a:p>
-            <a:pPr lvl="0" indent="0" marL="0">
-              <a:spcBef>
-                <a:spcPts val="3000"/>
-              </a:spcBef>
-              <a:buNone/>
-            </a:pPr>
-            <a:r>
-              <a:rPr b="1"/>
-              <a:t>Lead Question</a:t>
-            </a:r>
-          </a:p>
-          <a:p>
-            <a:pPr lvl="0" indent="0" marL="1270000">
-              <a:buNone/>
-            </a:pPr>
-            <a:r>
-              <a:rPr sz="2000" b="1"/>
-              <a:t>“Provide an example of a situation where effective communication was critical to the success of a patient’s treatment plan. What was your approach and how did it affect the outcome?”</a:t>
-            </a:r>
-          </a:p>
-          <a:p>
-            <a:pPr lvl="0" indent="0" marL="0">
-              <a:buNone/>
-            </a:pPr>
-            <a:r>
-              <a:rPr i="1"/>
-              <a:t>Look for instances that demonstrate the candidate’s ability to clearly articulate critical information and show sensitivity towards patients’ and colleagues’ needs.</a:t>
-            </a:r>
-          </a:p>
-          <a:p>
-            <a:pPr lvl="0" indent="0" marL="0">
-              <a:spcBef>
-                <a:spcPts val="3000"/>
-              </a:spcBef>
-              <a:buNone/>
-            </a:pPr>
-            <a:r>
-              <a:rPr b="1"/>
-              <a:t>Diving Deeper</a:t>
-            </a:r>
-          </a:p>
-          <a:p>
-            <a:pPr lvl="0"/>
-            <a:r>
-              <a:rPr b="1"/>
-              <a:t>Patient Communication</a:t>
-            </a:r>
-            <a:r>
-              <a:rPr/>
-              <a:t>: “How do you tailor your communication to ensure that patients with different levels of health literacy can understand their care plan?”</a:t>
-            </a:r>
-          </a:p>
-          <a:p>
-            <a:pPr lvl="0"/>
-            <a:r>
-              <a:rPr b="1"/>
-              <a:t>Documentation Practice</a:t>
-            </a:r>
-            <a:r>
-              <a:rPr/>
-              <a:t>: “Discuss the importance of documentation accuracy and how you maintain it in your day-to-day responsibilities.”</a:t>
-            </a:r>
-          </a:p>
-          <a:p>
-            <a:pPr lvl="0"/>
-            <a:r>
-              <a:rPr b="1"/>
-              <a:t>Interprofessional Communication</a:t>
-            </a:r>
-            <a:r>
-              <a:rPr/>
-              <a:t>: “Describe a scenario where you successfully bridged a communication gap between different healthcare professionals.”</a:t>
-            </a:r>
-          </a:p>
-          <a:p>
-            <a:pPr lvl="0"/>
-            <a:r>
-              <a:rPr b="1"/>
-              <a:t>Cultural Sensitivity</a:t>
-            </a:r>
-            <a:r>
-              <a:rPr/>
-              <a:t>: “Tell us about a time when cultural sensitivity in communication was necessary and how you handled it.”</a:t>
-            </a:r>
-          </a:p>
-          <a:p>
-            <a:pPr lvl="0" indent="0" marL="0">
-              <a:spcBef>
-                <a:spcPts val="3000"/>
-              </a:spcBef>
-              <a:buNone/>
-            </a:pPr>
-            <a:r>
-              <a:rPr b="1"/>
-              <a:t>Scenario</a:t>
-            </a:r>
-          </a:p>
-          <a:p>
-            <a:pPr lvl="0" indent="0" marL="0">
-              <a:buNone/>
-            </a:pPr>
-            <a:r>
-              <a:rPr/>
-              <a:t>A patient under your care is showing signs of non-compliance with their health plan due to misunderstandings of medical instructions.</a:t>
-            </a:r>
-          </a:p>
-          <a:p>
-            <a:pPr lvl="0" indent="0" marL="0">
-              <a:buNone/>
-            </a:pPr>
-            <a:r>
-              <a:rPr i="1"/>
-              <a:t>How does the candidate address misconceptions and promote compliance through effective communication? Look for empathy, adaptability, and the ability to convey complex information in an accessible manner.</a:t>
-            </a:r>
-          </a:p>
-          <a:p>
-            <a:pPr lvl="0" indent="0" marL="0">
-              <a:spcBef>
-                <a:spcPts val="3000"/>
-              </a:spcBef>
-              <a:buNone/>
-            </a:pPr>
-            <a:r>
-              <a:rPr b="1"/>
-              <a:t>Notes</a:t>
-            </a:r>
-          </a:p>
-          <a:p>
-            <a:pPr lvl="0" indent="0" marL="0">
-              <a:buNone/>
-            </a:pPr>
-            <a:r>
-              <a:rPr/>
-              <a:t>________________________________________________________________________________________________________ ________________________________________________________________________________________________________ ________________________________________________________________________________________________________ ________________________________________________________________________________________________________ ________________________________________________________________________________________________________ ________________________________________________________________________________________________________</a:t>
-            </a:r>
-          </a:p>
-          <a:p>
-            <a:pPr lvl="0" indent="0" marL="0">
-              <a:buNone/>
-            </a:pPr>
-            <a:r>
-              <a:rPr/>
-              <a:t>Rating (1-5): __________</a:t>
-            </a:r>
-          </a:p>
-          <a:p>
-            <a:pPr lvl="0" indent="0" marL="0">
-              <a:spcBef>
-                <a:spcPts val="3000"/>
-              </a:spcBef>
-              <a:buNone/>
-            </a:pPr>
-            <a:r>
-              <a:rPr b="1"/>
-              <a:t>Behavioral Competence 4: Continuous Improvement</a:t>
-            </a:r>
-          </a:p>
-          <a:p>
-            <a:pPr lvl="0" indent="0" marL="0">
-              <a:buNone/>
-            </a:pPr>
-            <a:r>
-              <a:rPr/>
-              <a:t>Continuous Improvement is about embracing changes and seeking ways to enhance personal and organizational growth, resonating with Pacific Wellness Group’s value of innovation.</a:t>
-            </a:r>
-          </a:p>
-          <a:p>
-            <a:pPr lvl="0" indent="0" marL="0">
-              <a:spcBef>
-                <a:spcPts val="3000"/>
-              </a:spcBef>
-              <a:buNone/>
-            </a:pPr>
-            <a:r>
-              <a:rPr b="1"/>
-              <a:t>Lead Question</a:t>
-            </a:r>
-          </a:p>
-          <a:p>
-            <a:pPr lvl="0" indent="0" marL="1270000">
-              <a:buNone/>
-            </a:pPr>
-            <a:r>
-              <a:rPr sz="2000" b="1"/>
-              <a:t>“Describe a time when you identified an area for improvement within your role or team’s processes. What initiative did you take to address it, and what was the result?”</a:t>
-            </a:r>
-          </a:p>
-          <a:p>
-            <a:pPr lvl="0" indent="0" marL="0">
-              <a:buNone/>
-            </a:pPr>
-            <a:r>
-              <a:rPr i="1"/>
-              <a:t>Look for evidence of a proactive approach to identifying opportunities for improvement and the candidate’s willingness to take initiative in alignment with the company’s innovative spirit.</a:t>
-            </a:r>
-          </a:p>
-          <a:p>
-            <a:pPr lvl="0" indent="0" marL="0">
-              <a:spcBef>
-                <a:spcPts val="3000"/>
-              </a:spcBef>
-              <a:buNone/>
-            </a:pPr>
-            <a:r>
-              <a:rPr b="1"/>
-              <a:t>Diving Deeper</a:t>
-            </a:r>
-          </a:p>
-          <a:p>
-            <a:pPr lvl="0"/>
-            <a:r>
-              <a:rPr b="1"/>
-              <a:t>Skill Enhancement</a:t>
-            </a:r>
-            <a:r>
-              <a:rPr/>
-              <a:t>: “How have you pursued additional training or education to improve your performance and patient care?”</a:t>
-            </a:r>
-          </a:p>
-          <a:p>
-            <a:pPr lvl="0"/>
-            <a:r>
-              <a:rPr b="1"/>
-              <a:t>Quality Improvement</a:t>
-            </a:r>
-            <a:r>
-              <a:rPr/>
-              <a:t>: “Can you provide an example of a quality improvement project you were involved in and what contributions you made?”</a:t>
-            </a:r>
-          </a:p>
-          <a:p>
-            <a:pPr lvl="0"/>
-            <a:r>
-              <a:rPr b="1"/>
-              <a:t>Adaptability</a:t>
-            </a:r>
-            <a:r>
-              <a:rPr/>
-              <a:t>: “Talk about a moment when you had to adapt to a significant change at work. How did you handle the transition?”</a:t>
-            </a:r>
-          </a:p>
-          <a:p>
-            <a:pPr lvl="0"/>
-            <a:r>
-              <a:rPr b="1"/>
-              <a:t>Feedback Seeking</a:t>
-            </a:r>
-            <a:r>
-              <a:rPr/>
-              <a:t>: “How do you approach feedback, and can you share an instance where feedback led you to make a positive change in your work?”</a:t>
-            </a:r>
-          </a:p>
-          <a:p>
-            <a:pPr lvl="0" indent="0" marL="0">
-              <a:spcBef>
-                <a:spcPts val="3000"/>
-              </a:spcBef>
-              <a:buNone/>
-            </a:pPr>
-            <a:r>
-              <a:rPr b="1"/>
-              <a:t>Scenario</a:t>
-            </a:r>
-          </a:p>
-          <a:p>
-            <a:pPr lvl="0" indent="0" marL="0">
-              <a:buNone/>
-            </a:pPr>
-            <a:r>
-              <a:rPr/>
-              <a:t>The clinic is introducing a new EHR system, and whilst it promises greater long-term efficiency, the transition period is proving challenging for the staff.</a:t>
-            </a:r>
-          </a:p>
-          <a:p>
-            <a:pPr lvl="0" indent="0" marL="0">
-              <a:buNone/>
-            </a:pPr>
-            <a:r>
-              <a:rPr i="1"/>
-              <a:t>How does the candidate contribute to a smooth transition and encourage colleagues to engage with the new system positively? Look for resilience, ability to embrace change, and leadership in learning and adaptation.</a:t>
-            </a:r>
-          </a:p>
-          <a:p>
-            <a:pPr lvl="0" indent="0" marL="0">
-              <a:spcBef>
-                <a:spcPts val="3000"/>
-              </a:spcBef>
-              <a:buNone/>
-            </a:pPr>
-            <a:r>
-              <a:rPr b="1"/>
-              <a:t>Notes</a:t>
-            </a:r>
-          </a:p>
-          <a:p>
-            <a:pPr lvl="0" indent="0" marL="0">
-              <a:buNone/>
-            </a:pPr>
-            <a:r>
-              <a:rPr/>
-              <a:t>________________________________________________________________________________________________________ ________________________________________________________________________________________________________ ________________________________________________________________________________________________________ ________________________________________________________________________________________________________ ________________________________________________________________________________________________________ ________________________________________________________________________________________________________</a:t>
-            </a:r>
-          </a:p>
-          <a:p>
-            <a:pPr lvl="0" indent="0" marL="0">
-              <a:buNone/>
-            </a:pPr>
-            <a:r>
-              <a:rPr/>
-              <a:t>Rating (1-5): __________</a:t>
-            </a:r>
-          </a:p>
-          <a:p>
-            <a:pPr lvl="0" indent="0" marL="0">
-              <a:spcBef>
-                <a:spcPts val="3000"/>
-              </a:spcBef>
-              <a:buNone/>
-            </a:pPr>
-            <a:r>
-              <a:rPr b="1"/>
-              <a:t>Behavioral Competence 5: Organizational Skills</a:t>
-            </a:r>
-          </a:p>
-          <a:p>
-            <a:pPr lvl="0" indent="0" marL="0">
-              <a:buNone/>
-            </a:pPr>
-            <a:r>
-              <a:rPr/>
-              <a:t>Organizational Skills are critical for managing the complexities of a clinical environment, ensuring efficient use of time and resources, and maintaining an exceptional level of patient care, supporting Pacific Wellness Group’s high standards of operational excellence.</a:t>
-            </a:r>
-          </a:p>
-          <a:p>
-            <a:pPr lvl="0" indent="0" marL="0">
-              <a:spcBef>
-                <a:spcPts val="3000"/>
-              </a:spcBef>
-              <a:buNone/>
-            </a:pPr>
-            <a:r>
-              <a:rPr b="1"/>
-              <a:t>Lead Question</a:t>
-            </a:r>
-          </a:p>
-          <a:p>
-            <a:pPr lvl="0" indent="0" marL="1270000">
-              <a:buNone/>
-            </a:pPr>
-            <a:r>
-              <a:rPr sz="2000" b="1"/>
-              <a:t>“How do you manage your tasks and responsibilities in a fast-paced environment to ensure that all patient needs are met without compromising care quality?”</a:t>
-            </a:r>
-          </a:p>
-          <a:p>
-            <a:pPr lvl="0" indent="0" marL="0">
-              <a:buNone/>
-            </a:pPr>
-            <a:r>
-              <a:rPr i="1"/>
-              <a:t>Look for clear strategies for prioritization, multitasking, and maintaining composure under pressure.</a:t>
-            </a:r>
-          </a:p>
-          <a:p>
-            <a:pPr lvl="0" indent="0" marL="0">
-              <a:spcBef>
-                <a:spcPts val="3000"/>
-              </a:spcBef>
-              <a:buNone/>
-            </a:pPr>
-            <a:r>
-              <a:rPr b="1"/>
-              <a:t>Diving Deeper</a:t>
-            </a:r>
-          </a:p>
-          <a:p>
-            <a:pPr lvl="0"/>
-            <a:r>
-              <a:rPr b="1"/>
-              <a:t>Time Management</a:t>
-            </a:r>
-            <a:r>
-              <a:rPr/>
-              <a:t>: “Discuss your approach to prioritizing urgent and non-urgent tasks throughout the day.”</a:t>
-            </a:r>
-          </a:p>
-          <a:p>
-            <a:pPr lvl="0"/>
-            <a:r>
-              <a:rPr b="1"/>
-              <a:t>Attention to Detail</a:t>
-            </a:r>
-            <a:r>
-              <a:rPr/>
-              <a:t>: “Describe a situation where your attention to detail prevented an error in patient care or clinic operations.”</a:t>
-            </a:r>
-          </a:p>
-          <a:p>
-            <a:pPr lvl="0"/>
-            <a:r>
-              <a:rPr b="1"/>
-              <a:t>Resource Allocation</a:t>
-            </a:r>
-            <a:r>
-              <a:rPr/>
-              <a:t>: “Explain how you optimize the use of resources at hand to ensure the best possible patient care.”</a:t>
-            </a:r>
-          </a:p>
-          <a:p>
-            <a:pPr lvl="0"/>
-            <a:r>
-              <a:rPr b="1"/>
-              <a:t>Work Ethic</a:t>
-            </a:r>
-            <a:r>
-              <a:rPr/>
-              <a:t>: “Tell us about a time when your strong work ethic was recognized by your peers or supervisors.”</a:t>
-            </a:r>
-          </a:p>
-          <a:p>
-            <a:pPr lvl="0" indent="0" marL="0">
-              <a:spcBef>
-                <a:spcPts val="3000"/>
-              </a:spcBef>
-              <a:buNone/>
-            </a:pPr>
-            <a:r>
-              <a:rPr b="1"/>
-              <a:t>Scenario</a:t>
-            </a:r>
-          </a:p>
-          <a:p>
-            <a:pPr lvl="0" indent="0" marL="0">
-              <a:buNone/>
-            </a:pPr>
-            <a:r>
-              <a:rPr/>
-              <a:t>You are tasked with coordinating patient flow on a day when the clinic is understaffed, and there’s an unexpected surge in appointments.</a:t>
-            </a:r>
-          </a:p>
-          <a:p>
-            <a:pPr lvl="0" indent="0" marL="0">
-              <a:buNone/>
-            </a:pPr>
-            <a:r>
-              <a:rPr i="1"/>
-              <a:t>How does the candidate ensure efficient operations without allowing the quality of care to diminish? Look for methods of effective problem-solving, prioritization, and the capacity to adapt to unexpected demands.</a:t>
-            </a:r>
-          </a:p>
-          <a:p>
-            <a:pPr lvl="0" indent="0" marL="0">
-              <a:spcBef>
-                <a:spcPts val="3000"/>
-              </a:spcBef>
-              <a:buNone/>
-            </a:pPr>
-            <a:r>
-              <a:rPr b="1"/>
-              <a:t>Notes</a:t>
-            </a:r>
-          </a:p>
-          <a:p>
-            <a:pPr lvl="0" indent="0" marL="0">
-              <a:buNone/>
-            </a:pPr>
-            <a:r>
-              <a:rPr/>
-              <a:t>________________________________________________________________________________________________________ ________________________________________________________________________________________________________ ________________________________________________________________________________________________________ ________________________________________________________________________________________________________ ________________________________________________________________________________________________________ ________________________________________________________________________________________________________</a:t>
-            </a:r>
-          </a:p>
-          <a:p>
-            <a:pPr lvl="0" indent="0" marL="0">
-              <a:buNone/>
-            </a:pPr>
-            <a:r>
-              <a:rPr/>
-              <a:t>Rating (1-5): __________</a:t>
+              <a:t>Rating Guide: 1. Poor - Does not meet expectations or lacks the competency entirely. 2. Fair - Shows basic level of understanding but below expectations for the role. 3. Good - Meets expectations and shows a solid understanding of the competency. 4. Very Good - Exceeds expectations with advanced understanding or performance. 5. Excellent - Exceptional display of skill or understanding; stands out significantly.</a:t>
+            </a:r>
+          </a:p>
+          <a:p>
+            <a:pPr lvl="0" indent="0" marL="0">
+              <a:buNone/>
+            </a:pPr>
+            <a:r>
+              <a:rPr/>
+              <a:t>Interviewers are encouraged to provide specific comments and ratings to support the interview team’s decision-making process.</a:t>
             </a:r>
           </a:p>
         </p:txBody>
@@ -6649,7 +5968,7 @@
             </a:pPr>
             <a:r>
               <a:rPr/>
-              <a:t>Practical Assignment</a:t>
+              <a:t>Technical Assessment</a:t>
             </a:r>
           </a:p>
         </p:txBody>
@@ -6674,7 +5993,7 @@
             </a:pPr>
             <a:r>
               <a:rPr/>
-              <a:t>The practical assignment for the Medical Assistant II candidate involves a hands-on simulation to evaluate their expertise in clinical tasks and patient interaction. The assignment will consist of a standardized patient scenario where the candidate demonstrates their competency in preparing a patient for a procedure, taking vital signs, and inputting data into an EHR system, all the while maintaining clear communication and adherence to safety protocols.</a:t>
+              <a:t>Evaluating technical competencies is critical to ensure that the candidate possesses the practical skills necessary for the Medical Assistant II position at Pacific Wellness Group.</a:t>
             </a:r>
           </a:p>
           <a:p>
@@ -6686,28 +6005,16 @@
             </a:pPr>
             <a:r>
               <a:rPr b="1"/>
-              <a:t>Objectives:</a:t>
-            </a:r>
-          </a:p>
-          <a:p>
-            <a:pPr lvl="0"/>
-            <a:r>
-              <a:rPr/>
-              <a:t>To assess the candidate’s applied clinical skills and their ability to perform routine tasks under pressure.</a:t>
-            </a:r>
-          </a:p>
-          <a:p>
-            <a:pPr lvl="0"/>
-            <a:r>
-              <a:rPr/>
-              <a:t>To evaluate the candidate’s proficiency with EHR management and their consideration for data accuracy and security.</a:t>
-            </a:r>
-          </a:p>
-          <a:p>
-            <a:pPr lvl="0"/>
-            <a:r>
-              <a:rPr/>
-              <a:t>To observe the candidate’s communication skills and service excellence when interacting with patients.</a:t>
+              <a:t>Technical Competence 1: Clinical Procedures Proficiency</a:t>
+            </a:r>
+          </a:p>
+          <a:p>
+            <a:pPr lvl="0" indent="0" marL="0">
+              <a:buNone/>
+            </a:pPr>
+            <a:r>
+              <a:rPr/>
+              <a:t>A Medical Assistant II must exhibit a strong capability in performing a wide range of clinical duties. They should be well-versed in patient care techniques, assisting with medical procedures, patient documentation, and equipment handling to ensure efficient and quality care provision.</a:t>
             </a:r>
           </a:p>
           <a:p>
@@ -6719,44 +6026,25 @@
             </a:pPr>
             <a:r>
               <a:rPr b="1"/>
-              <a:t>Evaluation Criteria:</a:t>
-            </a:r>
-          </a:p>
-          <a:p>
-            <a:pPr lvl="0"/>
-            <a:r>
-              <a:rPr/>
-              <a:t>Accuracy: Ensuring that the vital signs are taken and recorded correctly.</a:t>
-            </a:r>
-          </a:p>
-          <a:p>
-            <a:pPr lvl="0"/>
-            <a:r>
-              <a:rPr/>
-              <a:t>Efficiency: Completing all tasks within the given timeframe without compromising the quality of work.</a:t>
-            </a:r>
-          </a:p>
-          <a:p>
-            <a:pPr lvl="0"/>
-            <a:r>
-              <a:rPr/>
-              <a:t>Communication: Effectively explaining procedures to the patient and ensuring understanding.</a:t>
-            </a:r>
-          </a:p>
-          <a:p>
-            <a:pPr lvl="0"/>
-            <a:r>
-              <a:rPr/>
-              <a:t>Professionalism: Displaying a high standard of professional conduct and empathy towards the patient.</a:t>
-            </a:r>
-          </a:p>
-          <a:p>
-            <a:pPr lvl="0" indent="0" marL="0">
-              <a:buNone/>
-            </a:pPr>
-            <a:r>
-              <a:rPr/>
-              <a:t>Interviewers should assess the candidate’s approach and solution to the practical assignment, considering how well they integrate technical skill with patient-centered care. Attention should be given to the candidate’s ability to remain calm, focused, and compassionate throughout the scenario.</a:t>
+              <a:t>Lead Question</a:t>
+            </a:r>
+          </a:p>
+          <a:p>
+            <a:pPr lvl="0" indent="0" marL="1270000">
+              <a:buNone/>
+            </a:pPr>
+            <a:r>
+              <a:rPr sz="2000" b="1"/>
+              <a:t>“Describe a complex clinical procedure you’ve assisted with. What role did you play, and how did you ensure it was executed correctly?”</a:t>
+            </a:r>
+          </a:p>
+          <a:p>
+            <a:pPr lvl="0" indent="0" marL="0">
+              <a:buNone/>
+            </a:pPr>
+            <a:r>
+              <a:rPr i="1"/>
+              <a:t>Look for detailed explanations to assess the candidate’s understanding of clinical procedures and their ability to perform them accurately.</a:t>
             </a:r>
           </a:p>
           <a:p>
@@ -6768,6 +6056,92 @@
             </a:pPr>
             <a:r>
               <a:rPr b="1"/>
+              <a:t>Diving Deeper</a:t>
+            </a:r>
+          </a:p>
+          <a:p>
+            <a:pPr lvl="0"/>
+            <a:r>
+              <a:rPr b="1"/>
+              <a:t>Patient Care</a:t>
+            </a:r>
+            <a:r>
+              <a:rPr/>
+              <a:t>: “Can you walk us through how you prepare a patient for a specific common procedure in your current or past role?”</a:t>
+            </a:r>
+          </a:p>
+          <a:p>
+            <a:pPr lvl="0"/>
+            <a:r>
+              <a:rPr b="1"/>
+              <a:t>Assisting with Procedures</a:t>
+            </a:r>
+            <a:r>
+              <a:rPr/>
+              <a:t>: “Have you ever encountered a complication during a procedure? How did you assist in managing it?”</a:t>
+            </a:r>
+          </a:p>
+          <a:p>
+            <a:pPr lvl="0"/>
+            <a:r>
+              <a:rPr b="1"/>
+              <a:t>Patient Documentation</a:t>
+            </a:r>
+            <a:r>
+              <a:rPr/>
+              <a:t>: “Describe the process you follow for documenting patient care and how you ensure accuracy and completeness.”</a:t>
+            </a:r>
+          </a:p>
+          <a:p>
+            <a:pPr lvl="0"/>
+            <a:r>
+              <a:rPr b="1"/>
+              <a:t>Equipment Handling</a:t>
+            </a:r>
+            <a:r>
+              <a:rPr/>
+              <a:t>: “What types of medical equipment are you most familiar with, and how do you maintain them?”</a:t>
+            </a:r>
+          </a:p>
+          <a:p>
+            <a:pPr lvl="0" indent="0" marL="0">
+              <a:spcBef>
+                <a:spcPts val="3000"/>
+              </a:spcBef>
+              <a:buNone/>
+            </a:pPr>
+            <a:r>
+              <a:rPr b="1"/>
+              <a:t>Scenario</a:t>
+            </a:r>
+          </a:p>
+          <a:p>
+            <a:pPr lvl="0" indent="0" marL="0">
+              <a:buNone/>
+            </a:pPr>
+            <a:r>
+              <a:rPr/>
+              <a:t>“Imagine a patient requires an emergency response during your shift, and you’re the first on the scene. Walk us through the steps you would take from the moment you recognize the emergency to the resolution. What are the critical factors you must consider?”</a:t>
+            </a:r>
+          </a:p>
+          <a:p>
+            <a:pPr lvl="0" indent="0" marL="0">
+              <a:buNone/>
+            </a:pPr>
+            <a:r>
+              <a:rPr i="1"/>
+              <a:t>Look for the ability to remain calm under pressure, clear communication, and a methodical approach to emergency response.</a:t>
+            </a:r>
+          </a:p>
+          <a:p>
+            <a:pPr lvl="0" indent="0" marL="0">
+              <a:spcBef>
+                <a:spcPts val="3000"/>
+              </a:spcBef>
+              <a:buNone/>
+            </a:pPr>
+            <a:r>
+              <a:rPr b="1"/>
               <a:t>Notes</a:t>
             </a:r>
           </a:p>
@@ -6777,7 +6151,675 @@
             </a:pPr>
             <a:r>
               <a:rPr/>
-              <a:t>________________________________________________________________________________________________________ ________________________________________________________________________________________________________ ________________________________________________________________________________________________________ ________________________________________________________________________________________________________ ________________________________________________________________________________________________________ ________________________________________________________________________________________________________</a:t>
+              <a:t>__________________________________________________________________________________________ __________________________________________________________________________________________ __________________________________________________________________________________________ __________________________________________________________________________________________ __________________________________________________________________________________________ __________________________________________________________________________________________</a:t>
+            </a:r>
+          </a:p>
+          <a:p>
+            <a:pPr lvl="0" indent="0" marL="0">
+              <a:buNone/>
+            </a:pPr>
+            <a:r>
+              <a:rPr/>
+              <a:t>Rating (1-5): __________</a:t>
+            </a:r>
+          </a:p>
+          <a:p>
+            <a:pPr lvl="0" indent="0" marL="0">
+              <a:spcBef>
+                <a:spcPts val="3000"/>
+              </a:spcBef>
+              <a:buNone/>
+            </a:pPr>
+            <a:r>
+              <a:rPr b="1"/>
+              <a:t>Technical Competence 2: Communication Skills</a:t>
+            </a:r>
+          </a:p>
+          <a:p>
+            <a:pPr lvl="0" indent="0" marL="0">
+              <a:buNone/>
+            </a:pPr>
+            <a:r>
+              <a:rPr/>
+              <a:t>Being able to communicate effectively with patients, their families, and the medical team is vital for a Medical Assistant. This competency ensures that information is conveyed clearly and efficiently, promoting excellent patient care and collaborative teamwork.</a:t>
+            </a:r>
+          </a:p>
+          <a:p>
+            <a:pPr lvl="0" indent="0" marL="0">
+              <a:spcBef>
+                <a:spcPts val="3000"/>
+              </a:spcBef>
+              <a:buNone/>
+            </a:pPr>
+            <a:r>
+              <a:rPr b="1"/>
+              <a:t>Lead Question</a:t>
+            </a:r>
+          </a:p>
+          <a:p>
+            <a:pPr lvl="0" indent="0" marL="1270000">
+              <a:buNone/>
+            </a:pPr>
+            <a:r>
+              <a:rPr sz="2000" b="1"/>
+              <a:t>“Describe a time when you had to explain a complex medical procedure or condition to a patient who was anxious or confused. How did you handle it?”</a:t>
+            </a:r>
+          </a:p>
+          <a:p>
+            <a:pPr lvl="0" indent="0" marL="0">
+              <a:buNone/>
+            </a:pPr>
+            <a:r>
+              <a:rPr i="1"/>
+              <a:t>Look for clarity, empathy, and the ability to tailor communication style to the patient’s needs.</a:t>
+            </a:r>
+          </a:p>
+          <a:p>
+            <a:pPr lvl="0" indent="0" marL="0">
+              <a:spcBef>
+                <a:spcPts val="3000"/>
+              </a:spcBef>
+              <a:buNone/>
+            </a:pPr>
+            <a:r>
+              <a:rPr b="1"/>
+              <a:t>Diving Deeper</a:t>
+            </a:r>
+          </a:p>
+          <a:p>
+            <a:pPr lvl="0"/>
+            <a:r>
+              <a:rPr b="1"/>
+              <a:t>Verbal Communication</a:t>
+            </a:r>
+            <a:r>
+              <a:rPr/>
+              <a:t>: “Give an example of a difficult conversation you’ve had with a family member of a patient. What was the outcome?”</a:t>
+            </a:r>
+          </a:p>
+          <a:p>
+            <a:pPr lvl="0"/>
+            <a:r>
+              <a:rPr b="1"/>
+              <a:t>Written Communication</a:t>
+            </a:r>
+            <a:r>
+              <a:rPr/>
+              <a:t>: “Can you describe your experience with creating patient education materials or providing written instructions for aftercare?”</a:t>
+            </a:r>
+          </a:p>
+          <a:p>
+            <a:pPr lvl="0"/>
+            <a:r>
+              <a:rPr b="1"/>
+              <a:t>Patient Education</a:t>
+            </a:r>
+            <a:r>
+              <a:rPr/>
+              <a:t>: “How do you ensure that a patient fully understands their treatment plan and the importance of following it?”</a:t>
+            </a:r>
+          </a:p>
+          <a:p>
+            <a:pPr lvl="0"/>
+            <a:r>
+              <a:rPr b="1"/>
+              <a:t>Feedback Reception</a:t>
+            </a:r>
+            <a:r>
+              <a:rPr/>
+              <a:t>: “Tell us about a time you received constructive feedback on your communication style. How did it impact your approach?”</a:t>
+            </a:r>
+          </a:p>
+          <a:p>
+            <a:pPr lvl="0" indent="0" marL="0">
+              <a:spcBef>
+                <a:spcPts val="3000"/>
+              </a:spcBef>
+              <a:buNone/>
+            </a:pPr>
+            <a:r>
+              <a:rPr b="1"/>
+              <a:t>Scenario</a:t>
+            </a:r>
+          </a:p>
+          <a:p>
+            <a:pPr lvl="0" indent="0" marL="0">
+              <a:buNone/>
+            </a:pPr>
+            <a:r>
+              <a:rPr/>
+              <a:t>“You’ve been tasked with calling patients to inform them about a change in their treatment plan due to updated clinic protocols. What steps would you take to prepare for the calls, and how would you handle any patient who responds negatively to the change?”</a:t>
+            </a:r>
+          </a:p>
+          <a:p>
+            <a:pPr lvl="0" indent="0" marL="0">
+              <a:buNone/>
+            </a:pPr>
+            <a:r>
+              <a:rPr i="1"/>
+              <a:t>Look for preparation, compassion, and problem-solving abilities in their communication approach.</a:t>
+            </a:r>
+          </a:p>
+          <a:p>
+            <a:pPr lvl="0" indent="0" marL="0">
+              <a:spcBef>
+                <a:spcPts val="3000"/>
+              </a:spcBef>
+              <a:buNone/>
+            </a:pPr>
+            <a:r>
+              <a:rPr b="1"/>
+              <a:t>Notes</a:t>
+            </a:r>
+          </a:p>
+          <a:p>
+            <a:pPr lvl="0" indent="0" marL="0">
+              <a:buNone/>
+            </a:pPr>
+            <a:r>
+              <a:rPr/>
+              <a:t>__________________________________________________________________________________________ __________________________________________________________________________________________ __________________________________________________________________________________________ __________________________________________________________________________________________ __________________________________________________________________________________________ __________________________________________________________________________________________</a:t>
+            </a:r>
+          </a:p>
+          <a:p>
+            <a:pPr lvl="0" indent="0" marL="0">
+              <a:buNone/>
+            </a:pPr>
+            <a:r>
+              <a:rPr/>
+              <a:t>Rating (1-5): __________</a:t>
+            </a:r>
+          </a:p>
+          <a:p>
+            <a:pPr lvl="0" indent="0" marL="0">
+              <a:spcBef>
+                <a:spcPts val="3000"/>
+              </a:spcBef>
+              <a:buNone/>
+            </a:pPr>
+            <a:r>
+              <a:rPr b="1"/>
+              <a:t>Technical Competence 3: Health and Safety Compliance</a:t>
+            </a:r>
+          </a:p>
+          <a:p>
+            <a:pPr lvl="0" indent="0" marL="0">
+              <a:buNone/>
+            </a:pPr>
+            <a:r>
+              <a:rPr/>
+              <a:t>A Medical Assistant II must maintain a strong adherence to health and safety protocols to ensure the well-being of patients and colleagues. This includes staying updated with the latest healthcare regulations and safety procedures.</a:t>
+            </a:r>
+          </a:p>
+          <a:p>
+            <a:pPr lvl="0" indent="0" marL="0">
+              <a:spcBef>
+                <a:spcPts val="3000"/>
+              </a:spcBef>
+              <a:buNone/>
+            </a:pPr>
+            <a:r>
+              <a:rPr b="1"/>
+              <a:t>Lead Question</a:t>
+            </a:r>
+          </a:p>
+          <a:p>
+            <a:pPr lvl="0" indent="0" marL="1270000">
+              <a:buNone/>
+            </a:pPr>
+            <a:r>
+              <a:rPr sz="2000" b="1"/>
+              <a:t>“Can you share an experience where you identified a breach in health or safety protocols? What actions did you take to address it?”</a:t>
+            </a:r>
+          </a:p>
+          <a:p>
+            <a:pPr lvl="0" indent="0" marL="0">
+              <a:buNone/>
+            </a:pPr>
+            <a:r>
+              <a:rPr i="1"/>
+              <a:t>Look for proactive identification of issues, knowledge of protocols, and appropriate action taken.</a:t>
+            </a:r>
+          </a:p>
+          <a:p>
+            <a:pPr lvl="0" indent="0" marL="0">
+              <a:spcBef>
+                <a:spcPts val="3000"/>
+              </a:spcBef>
+              <a:buNone/>
+            </a:pPr>
+            <a:r>
+              <a:rPr b="1"/>
+              <a:t>Diving Deeper</a:t>
+            </a:r>
+          </a:p>
+          <a:p>
+            <a:pPr lvl="0"/>
+            <a:r>
+              <a:rPr b="1"/>
+              <a:t>BLS Certification</a:t>
+            </a:r>
+            <a:r>
+              <a:rPr/>
+              <a:t>: “How have you applied your BLS skills in a real-world setting, and what was the outcome of that situation?”</a:t>
+            </a:r>
+          </a:p>
+          <a:p>
+            <a:pPr lvl="0"/>
+            <a:r>
+              <a:rPr b="1"/>
+              <a:t>Biohazard Handling</a:t>
+            </a:r>
+            <a:r>
+              <a:rPr/>
+              <a:t>: “What procedures do you follow when handling biohazards to ensure safety for yourself and others?”</a:t>
+            </a:r>
+          </a:p>
+          <a:p>
+            <a:pPr lvl="0"/>
+            <a:r>
+              <a:rPr b="1"/>
+              <a:t>Infection Control</a:t>
+            </a:r>
+            <a:r>
+              <a:rPr/>
+              <a:t>: “Explain how you implement infection control guidelines in your daily duties and during an outbreak or pandemic.”</a:t>
+            </a:r>
+          </a:p>
+          <a:p>
+            <a:pPr lvl="0"/>
+            <a:r>
+              <a:rPr b="1"/>
+              <a:t>Regulatory Awareness</a:t>
+            </a:r>
+            <a:r>
+              <a:rPr/>
+              <a:t>: “Discuss how you stay informed about changes in healthcare regulations and apply them to your practice.”</a:t>
+            </a:r>
+          </a:p>
+          <a:p>
+            <a:pPr lvl="0" indent="0" marL="0">
+              <a:spcBef>
+                <a:spcPts val="3000"/>
+              </a:spcBef>
+              <a:buNone/>
+            </a:pPr>
+            <a:r>
+              <a:rPr b="1"/>
+              <a:t>Scenario</a:t>
+            </a:r>
+          </a:p>
+          <a:p>
+            <a:pPr lvl="0" indent="0" marL="0">
+              <a:buNone/>
+            </a:pPr>
+            <a:r>
+              <a:rPr/>
+              <a:t>“Imagine there’s been an accidental exposure to a bloodborne pathogen in your workspace. Describe the steps you would immediately take following the exposure, and how you would record and report the incident in accordance with health and safety standards.”</a:t>
+            </a:r>
+          </a:p>
+          <a:p>
+            <a:pPr lvl="0" indent="0" marL="0">
+              <a:buNone/>
+            </a:pPr>
+            <a:r>
+              <a:rPr i="1"/>
+              <a:t>Look for adherence to protocol, thoroughness, and effective reporting in the candidate’s response.</a:t>
+            </a:r>
+          </a:p>
+          <a:p>
+            <a:pPr lvl="0" indent="0" marL="0">
+              <a:spcBef>
+                <a:spcPts val="3000"/>
+              </a:spcBef>
+              <a:buNone/>
+            </a:pPr>
+            <a:r>
+              <a:rPr b="1"/>
+              <a:t>Notes</a:t>
+            </a:r>
+          </a:p>
+          <a:p>
+            <a:pPr lvl="0" indent="0" marL="0">
+              <a:buNone/>
+            </a:pPr>
+            <a:r>
+              <a:rPr/>
+              <a:t>__________________________________________________________________________________________ __________________________________________________________________________________________ __________________________________________________________________________________________ __________________________________________________________________________________________ __________________________________________________________________________________________ __________________________________________________________________________________________</a:t>
+            </a:r>
+          </a:p>
+          <a:p>
+            <a:pPr lvl="0" indent="0" marL="0">
+              <a:buNone/>
+            </a:pPr>
+            <a:r>
+              <a:rPr/>
+              <a:t>Rating (1-5): __________</a:t>
+            </a:r>
+          </a:p>
+          <a:p>
+            <a:pPr lvl="0" indent="0" marL="0">
+              <a:spcBef>
+                <a:spcPts val="3000"/>
+              </a:spcBef>
+              <a:buNone/>
+            </a:pPr>
+            <a:r>
+              <a:rPr b="1"/>
+              <a:t>Technical Competence 4: Computer and EMR Proficiency</a:t>
+            </a:r>
+          </a:p>
+          <a:p>
+            <a:pPr lvl="0" indent="0" marL="0">
+              <a:buNone/>
+            </a:pPr>
+            <a:r>
+              <a:rPr/>
+              <a:t>The role demands proficient use of electronic medical records systems and computers to maintain efficient operations and accurate patient records, in line with Pacific Wellness Group’s emphasis on innovation and continuous improvement.</a:t>
+            </a:r>
+          </a:p>
+          <a:p>
+            <a:pPr lvl="0" indent="0" marL="0">
+              <a:spcBef>
+                <a:spcPts val="3000"/>
+              </a:spcBef>
+              <a:buNone/>
+            </a:pPr>
+            <a:r>
+              <a:rPr b="1"/>
+              <a:t>Lead Question</a:t>
+            </a:r>
+          </a:p>
+          <a:p>
+            <a:pPr lvl="0" indent="0" marL="1270000">
+              <a:buNone/>
+            </a:pPr>
+            <a:r>
+              <a:rPr sz="2000" b="1"/>
+              <a:t>“Discuss your experience with electronic medical records. How do you ensure data integrity and security when entering and retrieving patient information?”</a:t>
+            </a:r>
+          </a:p>
+          <a:p>
+            <a:pPr lvl="0" indent="0" marL="0">
+              <a:buNone/>
+            </a:pPr>
+            <a:r>
+              <a:rPr i="1"/>
+              <a:t>Look for examples demonstrating attention to detail, organization, and a commitment to patient privacy and data accuracy.</a:t>
+            </a:r>
+          </a:p>
+          <a:p>
+            <a:pPr lvl="0" indent="0" marL="0">
+              <a:spcBef>
+                <a:spcPts val="3000"/>
+              </a:spcBef>
+              <a:buNone/>
+            </a:pPr>
+            <a:r>
+              <a:rPr b="1"/>
+              <a:t>Diving Deeper</a:t>
+            </a:r>
+          </a:p>
+          <a:p>
+            <a:pPr lvl="0"/>
+            <a:r>
+              <a:rPr b="1"/>
+              <a:t>EMR Management</a:t>
+            </a:r>
+            <a:r>
+              <a:rPr/>
+              <a:t>: “What electronic medical record systems are you familiar with, and what features do you find most beneficial for clinical workflow?”</a:t>
+            </a:r>
+          </a:p>
+          <a:p>
+            <a:pPr lvl="0"/>
+            <a:r>
+              <a:rPr b="1"/>
+              <a:t>Microsoft Office Skills</a:t>
+            </a:r>
+            <a:r>
+              <a:rPr/>
+              <a:t>: “Provide an example of how you have used Microsoft Office tools to improve a clinical process or patient communication.”</a:t>
+            </a:r>
+          </a:p>
+          <a:p>
+            <a:pPr lvl="0"/>
+            <a:r>
+              <a:rPr b="1"/>
+              <a:t>Digital Literacy</a:t>
+            </a:r>
+            <a:r>
+              <a:rPr/>
+              <a:t>: “Tell us about a time when you had to learn a new software application for work. How did you approach the learning process?”</a:t>
+            </a:r>
+          </a:p>
+          <a:p>
+            <a:pPr lvl="0"/>
+            <a:r>
+              <a:rPr b="1"/>
+              <a:t>Patient Portal Management</a:t>
+            </a:r>
+            <a:r>
+              <a:rPr/>
+              <a:t>: “What strategies do you employ to encourage patient engagement with the patient portal and ensure clear communication?”</a:t>
+            </a:r>
+          </a:p>
+          <a:p>
+            <a:pPr lvl="0" indent="0" marL="0">
+              <a:spcBef>
+                <a:spcPts val="3000"/>
+              </a:spcBef>
+              <a:buNone/>
+            </a:pPr>
+            <a:r>
+              <a:rPr b="1"/>
+              <a:t>Scenario</a:t>
+            </a:r>
+          </a:p>
+          <a:p>
+            <a:pPr lvl="0" indent="0" marL="0">
+              <a:buNone/>
+            </a:pPr>
+            <a:r>
+              <a:rPr/>
+              <a:t>“You are tasked with compiling a comprehensive patient history for a new patient with multiple chronic conditions using the EMR system. The patient has provided a stack of medical records from several different providers. Describe how you would organize and enter this information into the system.”</a:t>
+            </a:r>
+          </a:p>
+          <a:p>
+            <a:pPr lvl="0" indent="0" marL="0">
+              <a:buNone/>
+            </a:pPr>
+            <a:r>
+              <a:rPr i="1"/>
+              <a:t>Look for systematic approaches, ability to categorize and prioritize information, and strategies to ensure completeness.</a:t>
+            </a:r>
+          </a:p>
+          <a:p>
+            <a:pPr lvl="0" indent="0" marL="0">
+              <a:spcBef>
+                <a:spcPts val="3000"/>
+              </a:spcBef>
+              <a:buNone/>
+            </a:pPr>
+            <a:r>
+              <a:rPr b="1"/>
+              <a:t>Notes</a:t>
+            </a:r>
+          </a:p>
+          <a:p>
+            <a:pPr lvl="0" indent="0" marL="0">
+              <a:buNone/>
+            </a:pPr>
+            <a:r>
+              <a:rPr/>
+              <a:t>__________________________________________________________________________________________ __________________________________________________________________________________________ __________________________________________________________________________________________ __________________________________________________________________________________________ __________________________________________________________________________________________ __________________________________________________________________________________________</a:t>
+            </a:r>
+          </a:p>
+          <a:p>
+            <a:pPr lvl="0" indent="0" marL="0">
+              <a:buNone/>
+            </a:pPr>
+            <a:r>
+              <a:rPr/>
+              <a:t>Rating (1-5): __________</a:t>
+            </a:r>
+          </a:p>
+          <a:p>
+            <a:pPr lvl="0" indent="0" marL="0">
+              <a:spcBef>
+                <a:spcPts val="3000"/>
+              </a:spcBef>
+              <a:buNone/>
+            </a:pPr>
+            <a:r>
+              <a:rPr b="1"/>
+              <a:t>Technical Competence 5: Organizational Skills</a:t>
+            </a:r>
+          </a:p>
+          <a:p>
+            <a:pPr lvl="0" indent="0" marL="0">
+              <a:buNone/>
+            </a:pPr>
+            <a:r>
+              <a:rPr/>
+              <a:t>Strong organizational skills are critical for Medical Assistant IIs to effectively manage their varied responsibilities within the clinic, ensuring the smooth operation of patient care and support of healthcare services.</a:t>
+            </a:r>
+          </a:p>
+          <a:p>
+            <a:pPr lvl="0" indent="0" marL="0">
+              <a:spcBef>
+                <a:spcPts val="3000"/>
+              </a:spcBef>
+              <a:buNone/>
+            </a:pPr>
+            <a:r>
+              <a:rPr b="1"/>
+              <a:t>Lead Question</a:t>
+            </a:r>
+          </a:p>
+          <a:p>
+            <a:pPr lvl="0" indent="0" marL="1270000">
+              <a:buNone/>
+            </a:pPr>
+            <a:r>
+              <a:rPr sz="2000" b="1"/>
+              <a:t>“Tell us about a time when you had to juggle multiple tasks at once in a clinical setting. How did you prioritize and manage these tasks to maintain quality patient care?”</a:t>
+            </a:r>
+          </a:p>
+          <a:p>
+            <a:pPr lvl="0" indent="0" marL="0">
+              <a:buNone/>
+            </a:pPr>
+            <a:r>
+              <a:rPr i="1"/>
+              <a:t>Look for evidence of efficient prioritization, multitasking ability, and effectiveness in handling a fast-paced environment.</a:t>
+            </a:r>
+          </a:p>
+          <a:p>
+            <a:pPr lvl="0" indent="0" marL="0">
+              <a:spcBef>
+                <a:spcPts val="3000"/>
+              </a:spcBef>
+              <a:buNone/>
+            </a:pPr>
+            <a:r>
+              <a:rPr b="1"/>
+              <a:t>Diving Deeper</a:t>
+            </a:r>
+          </a:p>
+          <a:p>
+            <a:pPr lvl="0"/>
+            <a:r>
+              <a:rPr b="1"/>
+              <a:t>Time Management</a:t>
+            </a:r>
+            <a:r>
+              <a:rPr/>
+              <a:t>: “How do you typically organize your day to accommodate unexpected tasks or emergencies while still completing scheduled duties?”</a:t>
+            </a:r>
+          </a:p>
+          <a:p>
+            <a:pPr lvl="0"/>
+            <a:r>
+              <a:rPr b="1"/>
+              <a:t>Resource Coordination</a:t>
+            </a:r>
+            <a:r>
+              <a:rPr/>
+              <a:t>: “Describe a situation where you had to manage clinic resources during a busy day. What approach did you take?”</a:t>
+            </a:r>
+          </a:p>
+          <a:p>
+            <a:pPr lvl="0"/>
+            <a:r>
+              <a:rPr b="1"/>
+              <a:t>Work Prioritization</a:t>
+            </a:r>
+            <a:r>
+              <a:rPr/>
+              <a:t>: “When faced with simultaneous urgent tasks, how do you decide what to tackle first and how do you communicate this to your team?”</a:t>
+            </a:r>
+          </a:p>
+          <a:p>
+            <a:pPr lvl="0"/>
+            <a:r>
+              <a:rPr b="1"/>
+              <a:t>Procedure Preparation</a:t>
+            </a:r>
+            <a:r>
+              <a:rPr/>
+              <a:t>: “Can you walk us through your process for preparing an examination room or procedure area before the patient’s arrival?”</a:t>
+            </a:r>
+          </a:p>
+          <a:p>
+            <a:pPr lvl="0" indent="0" marL="0">
+              <a:spcBef>
+                <a:spcPts val="3000"/>
+              </a:spcBef>
+              <a:buNone/>
+            </a:pPr>
+            <a:r>
+              <a:rPr b="1"/>
+              <a:t>Scenario</a:t>
+            </a:r>
+          </a:p>
+          <a:p>
+            <a:pPr lvl="0" indent="0" marL="0">
+              <a:buNone/>
+            </a:pPr>
+            <a:r>
+              <a:rPr/>
+              <a:t>“Suppose you’re the only Medical Assistant on duty, and you have a clinic full of waiting patients, medication refills to process, and a physician asking for immediate assistance with a procedure. How would you handle this situation while ensuring that all tasks are completed efficiently and accurately?”</a:t>
+            </a:r>
+          </a:p>
+          <a:p>
+            <a:pPr lvl="0" indent="0" marL="0">
+              <a:buNone/>
+            </a:pPr>
+            <a:r>
+              <a:rPr i="1"/>
+              <a:t>Look for candidates’ strategies in dealing with high-pressure situations, their communication with team members, and their ability to delegate tasks where appropriate.</a:t>
+            </a:r>
+          </a:p>
+          <a:p>
+            <a:pPr lvl="0" indent="0" marL="0">
+              <a:spcBef>
+                <a:spcPts val="3000"/>
+              </a:spcBef>
+              <a:buNone/>
+            </a:pPr>
+            <a:r>
+              <a:rPr b="1"/>
+              <a:t>Notes</a:t>
+            </a:r>
+          </a:p>
+          <a:p>
+            <a:pPr lvl="0" indent="0" marL="0">
+              <a:buNone/>
+            </a:pPr>
+            <a:r>
+              <a:rPr/>
+              <a:t>__________________________________________________________________________________________ __________________________________________________________________________________________ __________________________________________________________________________________________ __________________________________________________________________________________________ __________________________________________________________________________________________ __________________________________________________________________________________________</a:t>
             </a:r>
           </a:p>
           <a:p>
